--- a/WPDD202/Chapter 02.pptx
+++ b/WPDD202/Chapter 02.pptx
@@ -400,35 +400,35 @@
           <a:p>
             <a:pPr lvl="0"/>
             <a:r>
-              <a:rPr lang="en-US" noProof="0" smtClean="0"/>
+              <a:rPr lang="en-US" noProof="0"/>
               <a:t>Click to edit Master text styles</a:t>
             </a:r>
           </a:p>
           <a:p>
             <a:pPr lvl="1"/>
             <a:r>
-              <a:rPr lang="en-US" noProof="0" smtClean="0"/>
+              <a:rPr lang="en-US" noProof="0"/>
               <a:t>Second level</a:t>
             </a:r>
           </a:p>
           <a:p>
             <a:pPr lvl="2"/>
             <a:r>
-              <a:rPr lang="en-US" noProof="0" smtClean="0"/>
+              <a:rPr lang="en-US" noProof="0"/>
               <a:t>Third level</a:t>
             </a:r>
           </a:p>
           <a:p>
             <a:pPr lvl="3"/>
             <a:r>
-              <a:rPr lang="en-US" noProof="0" smtClean="0"/>
+              <a:rPr lang="en-US" noProof="0"/>
               <a:t>Fourth level</a:t>
             </a:r>
           </a:p>
           <a:p>
             <a:pPr lvl="4"/>
             <a:r>
-              <a:rPr lang="en-US" noProof="0" smtClean="0"/>
+              <a:rPr lang="en-US" noProof="0"/>
               <a:t>Fifth level</a:t>
             </a:r>
           </a:p>
@@ -2793,7 +2793,7 @@
               <a:pPr eaLnBrk="1" hangingPunct="1"/>
               <a:t>3</a:t>
             </a:fld>
-            <a:endParaRPr lang="en-US" smtClean="0"/>
+            <a:endParaRPr lang="en-US"/>
           </a:p>
         </p:txBody>
       </p:sp>
@@ -2849,7 +2849,7 @@
           <a:lstStyle/>
           <a:p>
             <a:pPr eaLnBrk="1" hangingPunct="1"/>
-            <a:endParaRPr lang="en-US" smtClean="0"/>
+            <a:endParaRPr lang="en-US"/>
           </a:p>
         </p:txBody>
       </p:sp>
@@ -3448,7 +3448,7 @@
           </a:lstStyle>
           <a:p>
             <a:r>
-              <a:rPr lang="en-US" dirty="0" smtClean="0"/>
+              <a:rPr lang="en-US" dirty="0"/>
               <a:t>Click to edit Master title style</a:t>
             </a:r>
             <a:endParaRPr lang="en-AU" dirty="0"/>
@@ -3513,7 +3513,7 @@
           </a:lstStyle>
           <a:p>
             <a:r>
-              <a:rPr lang="en-US" smtClean="0"/>
+              <a:rPr lang="en-US"/>
               <a:t>Click to edit Master subtitle style</a:t>
             </a:r>
             <a:endParaRPr lang="en-AU"/>
@@ -3618,13 +3618,6 @@
   <p:clrMapOvr>
     <a:masterClrMapping/>
   </p:clrMapOvr>
-  <p:timing>
-    <p:tnLst>
-      <p:par>
-        <p:cTn id="1" dur="indefinite" restart="never" nodeType="tmRoot"/>
-      </p:par>
-    </p:tnLst>
-  </p:timing>
 </p:sldLayout>
 </file>
 
@@ -3662,7 +3655,7 @@
           <a:p>
             <a:fld id="{A4860BC5-6149-45B8-B367-B9B0D66BE27E}" type="datetime1">
               <a:rPr lang="en-AU" smtClean="0"/>
-              <a:t>25/10/2019</a:t>
+              <a:t>23/05/2024</a:t>
             </a:fld>
             <a:endParaRPr lang="en-AU" dirty="0"/>
           </a:p>
@@ -3785,13 +3778,6 @@
   <p:clrMapOvr>
     <a:masterClrMapping/>
   </p:clrMapOvr>
-  <p:timing>
-    <p:tnLst>
-      <p:par>
-        <p:cTn id="1" dur="indefinite" restart="never" nodeType="tmRoot"/>
-      </p:par>
-    </p:tnLst>
-  </p:timing>
 </p:sldLayout>
 </file>
 
@@ -3837,7 +3823,7 @@
           </a:lstStyle>
           <a:p>
             <a:r>
-              <a:rPr lang="en-US" smtClean="0"/>
+              <a:rPr lang="en-US"/>
               <a:t>Click to edit Master title style</a:t>
             </a:r>
             <a:endParaRPr lang="en-AU"/>
@@ -3894,35 +3880,35 @@
           <a:p>
             <a:pPr lvl="0"/>
             <a:r>
-              <a:rPr lang="en-US" smtClean="0"/>
+              <a:rPr lang="en-US"/>
               <a:t>Click to edit Master text styles</a:t>
             </a:r>
           </a:p>
           <a:p>
             <a:pPr lvl="1"/>
             <a:r>
-              <a:rPr lang="en-US" smtClean="0"/>
+              <a:rPr lang="en-US"/>
               <a:t>Second level</a:t>
             </a:r>
           </a:p>
           <a:p>
             <a:pPr lvl="2"/>
             <a:r>
-              <a:rPr lang="en-US" smtClean="0"/>
+              <a:rPr lang="en-US"/>
               <a:t>Third level</a:t>
             </a:r>
           </a:p>
           <a:p>
             <a:pPr lvl="3"/>
             <a:r>
-              <a:rPr lang="en-US" smtClean="0"/>
+              <a:rPr lang="en-US"/>
               <a:t>Fourth level</a:t>
             </a:r>
           </a:p>
           <a:p>
             <a:pPr lvl="4"/>
             <a:r>
-              <a:rPr lang="en-US" smtClean="0"/>
+              <a:rPr lang="en-US"/>
               <a:t>Fifth level</a:t>
             </a:r>
             <a:endParaRPr lang="en-AU"/>
@@ -3988,7 +3974,7 @@
           <a:p>
             <a:pPr lvl="0"/>
             <a:r>
-              <a:rPr lang="en-US" smtClean="0"/>
+              <a:rPr lang="en-US"/>
               <a:t>Click to edit Master text styles</a:t>
             </a:r>
           </a:p>
@@ -4011,7 +3997,7 @@
           <a:p>
             <a:fld id="{78FE1BA7-4187-488E-9E42-DEBD9072495B}" type="datetime1">
               <a:rPr lang="en-AU" smtClean="0"/>
-              <a:t>25/10/2019</a:t>
+              <a:t>23/05/2024</a:t>
             </a:fld>
             <a:endParaRPr lang="en-AU" dirty="0"/>
           </a:p>
@@ -4134,13 +4120,6 @@
   <p:clrMapOvr>
     <a:masterClrMapping/>
   </p:clrMapOvr>
-  <p:timing>
-    <p:tnLst>
-      <p:par>
-        <p:cTn id="1" dur="indefinite" restart="never" nodeType="tmRoot"/>
-      </p:par>
-    </p:tnLst>
-  </p:timing>
 </p:sldLayout>
 </file>
 
@@ -4186,7 +4165,7 @@
           </a:lstStyle>
           <a:p>
             <a:r>
-              <a:rPr lang="en-US" smtClean="0"/>
+              <a:rPr lang="en-US"/>
               <a:t>Click to edit Master title style</a:t>
             </a:r>
             <a:endParaRPr lang="en-AU"/>
@@ -4251,7 +4230,7 @@
           </a:lstStyle>
           <a:p>
             <a:r>
-              <a:rPr lang="en-US" dirty="0" smtClean="0"/>
+              <a:rPr lang="en-US" dirty="0"/>
               <a:t>Click icon to add picture</a:t>
             </a:r>
             <a:endParaRPr lang="en-AU" dirty="0"/>
@@ -4317,7 +4296,7 @@
           <a:p>
             <a:pPr lvl="0"/>
             <a:r>
-              <a:rPr lang="en-US" smtClean="0"/>
+              <a:rPr lang="en-US"/>
               <a:t>Click to edit Master text styles</a:t>
             </a:r>
           </a:p>
@@ -4340,7 +4319,7 @@
           <a:p>
             <a:fld id="{305E9B68-AD7A-438F-9D1D-3DB3D6ABCFB0}" type="datetime1">
               <a:rPr lang="en-AU" smtClean="0"/>
-              <a:t>25/10/2019</a:t>
+              <a:t>23/05/2024</a:t>
             </a:fld>
             <a:endParaRPr lang="en-AU" dirty="0"/>
           </a:p>
@@ -4463,13 +4442,6 @@
   <p:clrMapOvr>
     <a:masterClrMapping/>
   </p:clrMapOvr>
-  <p:timing>
-    <p:tnLst>
-      <p:par>
-        <p:cTn id="1" dur="indefinite" restart="never" nodeType="tmRoot"/>
-      </p:par>
-    </p:tnLst>
-  </p:timing>
 </p:sldLayout>
 </file>
 
@@ -4506,7 +4478,7 @@
           <a:lstStyle/>
           <a:p>
             <a:r>
-              <a:rPr lang="en-US" smtClean="0"/>
+              <a:rPr lang="en-US"/>
               <a:t>Click to edit Master title style</a:t>
             </a:r>
             <a:endParaRPr lang="en-AU"/>
@@ -4530,35 +4502,35 @@
           <a:p>
             <a:pPr lvl="0"/>
             <a:r>
-              <a:rPr lang="en-US" smtClean="0"/>
+              <a:rPr lang="en-US"/>
               <a:t>Click to edit Master text styles</a:t>
             </a:r>
           </a:p>
           <a:p>
             <a:pPr lvl="1"/>
             <a:r>
-              <a:rPr lang="en-US" smtClean="0"/>
+              <a:rPr lang="en-US"/>
               <a:t>Second level</a:t>
             </a:r>
           </a:p>
           <a:p>
             <a:pPr lvl="2"/>
             <a:r>
-              <a:rPr lang="en-US" smtClean="0"/>
+              <a:rPr lang="en-US"/>
               <a:t>Third level</a:t>
             </a:r>
           </a:p>
           <a:p>
             <a:pPr lvl="3"/>
             <a:r>
-              <a:rPr lang="en-US" smtClean="0"/>
+              <a:rPr lang="en-US"/>
               <a:t>Fourth level</a:t>
             </a:r>
           </a:p>
           <a:p>
             <a:pPr lvl="4"/>
             <a:r>
-              <a:rPr lang="en-US" smtClean="0"/>
+              <a:rPr lang="en-US"/>
               <a:t>Fifth level</a:t>
             </a:r>
             <a:endParaRPr lang="en-AU"/>
@@ -4582,7 +4554,7 @@
           <a:p>
             <a:fld id="{2A07E56F-0407-419F-9E5E-869F663477AC}" type="datetime1">
               <a:rPr lang="en-AU" smtClean="0"/>
-              <a:t>25/10/2019</a:t>
+              <a:t>23/05/2024</a:t>
             </a:fld>
             <a:endParaRPr lang="en-AU" dirty="0"/>
           </a:p>
@@ -4705,13 +4677,6 @@
   <p:clrMapOvr>
     <a:masterClrMapping/>
   </p:clrMapOvr>
-  <p:timing>
-    <p:tnLst>
-      <p:par>
-        <p:cTn id="1" dur="indefinite" restart="never" nodeType="tmRoot"/>
-      </p:par>
-    </p:tnLst>
-  </p:timing>
 </p:sldLayout>
 </file>
 
@@ -4753,7 +4718,7 @@
           <a:lstStyle/>
           <a:p>
             <a:r>
-              <a:rPr lang="en-US" smtClean="0"/>
+              <a:rPr lang="en-US"/>
               <a:t>Click to edit Master title style</a:t>
             </a:r>
             <a:endParaRPr lang="en-AU"/>
@@ -4782,35 +4747,35 @@
           <a:p>
             <a:pPr lvl="0"/>
             <a:r>
-              <a:rPr lang="en-US" smtClean="0"/>
+              <a:rPr lang="en-US"/>
               <a:t>Click to edit Master text styles</a:t>
             </a:r>
           </a:p>
           <a:p>
             <a:pPr lvl="1"/>
             <a:r>
-              <a:rPr lang="en-US" smtClean="0"/>
+              <a:rPr lang="en-US"/>
               <a:t>Second level</a:t>
             </a:r>
           </a:p>
           <a:p>
             <a:pPr lvl="2"/>
             <a:r>
-              <a:rPr lang="en-US" smtClean="0"/>
+              <a:rPr lang="en-US"/>
               <a:t>Third level</a:t>
             </a:r>
           </a:p>
           <a:p>
             <a:pPr lvl="3"/>
             <a:r>
-              <a:rPr lang="en-US" smtClean="0"/>
+              <a:rPr lang="en-US"/>
               <a:t>Fourth level</a:t>
             </a:r>
           </a:p>
           <a:p>
             <a:pPr lvl="4"/>
             <a:r>
-              <a:rPr lang="en-US" smtClean="0"/>
+              <a:rPr lang="en-US"/>
               <a:t>Fifth level</a:t>
             </a:r>
             <a:endParaRPr lang="en-AU"/>
@@ -4834,7 +4799,7 @@
           <a:p>
             <a:fld id="{34DC7A53-BC4F-40B7-8C9A-C53F13553151}" type="datetime1">
               <a:rPr lang="en-AU" smtClean="0"/>
-              <a:t>25/10/2019</a:t>
+              <a:t>23/05/2024</a:t>
             </a:fld>
             <a:endParaRPr lang="en-AU" dirty="0"/>
           </a:p>
@@ -4957,13 +4922,6 @@
   <p:clrMapOvr>
     <a:masterClrMapping/>
   </p:clrMapOvr>
-  <p:timing>
-    <p:tnLst>
-      <p:par>
-        <p:cTn id="1" dur="indefinite" restart="never" nodeType="tmRoot"/>
-      </p:par>
-    </p:tnLst>
-  </p:timing>
 </p:sldLayout>
 </file>
 
@@ -5005,7 +4963,7 @@
           <a:lstStyle/>
           <a:p>
             <a:r>
-              <a:rPr lang="en-US" smtClean="0"/>
+              <a:rPr lang="en-US"/>
               <a:t>Click to edit Master title style</a:t>
             </a:r>
             <a:endParaRPr lang="en-AU"/>
@@ -5029,35 +4987,35 @@
           <a:p>
             <a:pPr lvl="0"/>
             <a:r>
-              <a:rPr lang="en-US" smtClean="0"/>
+              <a:rPr lang="en-US"/>
               <a:t>Edit Master text styles</a:t>
             </a:r>
           </a:p>
           <a:p>
             <a:pPr lvl="1"/>
             <a:r>
-              <a:rPr lang="en-US" smtClean="0"/>
+              <a:rPr lang="en-US"/>
               <a:t>Second level</a:t>
             </a:r>
           </a:p>
           <a:p>
             <a:pPr lvl="2"/>
             <a:r>
-              <a:rPr lang="en-US" smtClean="0"/>
+              <a:rPr lang="en-US"/>
               <a:t>Third level</a:t>
             </a:r>
           </a:p>
           <a:p>
             <a:pPr lvl="3"/>
             <a:r>
-              <a:rPr lang="en-US" smtClean="0"/>
+              <a:rPr lang="en-US"/>
               <a:t>Fourth level</a:t>
             </a:r>
           </a:p>
           <a:p>
             <a:pPr lvl="4"/>
             <a:r>
-              <a:rPr lang="en-US" smtClean="0"/>
+              <a:rPr lang="en-US"/>
               <a:t>Fifth level</a:t>
             </a:r>
             <a:endParaRPr lang="en-AU"/>
@@ -5128,11 +5086,11 @@
           <a:lstStyle/>
           <a:p>
             <a:r>
-              <a:rPr lang="en-AU" smtClean="0"/>
+              <a:rPr lang="en-AU"/>
               <a:t>Chapter 2  </a:t>
             </a:r>
             <a:r>
-              <a:rPr lang="en-AU" sz="600" smtClean="0"/>
+              <a:rPr lang="en-AU" sz="600"/>
               <a:t>Building a Webpage Template with HTML5</a:t>
             </a:r>
           </a:p>
@@ -5151,13 +5109,6 @@
   <p:clrMapOvr>
     <a:masterClrMapping/>
   </p:clrMapOvr>
-  <p:timing>
-    <p:tnLst>
-      <p:par>
-        <p:cTn id="1" dur="indefinite" restart="never" nodeType="tmRoot"/>
-      </p:par>
-    </p:tnLst>
-  </p:timing>
 </p:sldLayout>
 </file>
 
@@ -5194,7 +5145,7 @@
           <a:lstStyle/>
           <a:p>
             <a:r>
-              <a:rPr lang="en-US" dirty="0" smtClean="0"/>
+              <a:rPr lang="en-US" dirty="0"/>
               <a:t>Click to edit Master title style</a:t>
             </a:r>
             <a:endParaRPr lang="en-AU" dirty="0"/>
@@ -5223,35 +5174,35 @@
           <a:p>
             <a:pPr lvl="0"/>
             <a:r>
-              <a:rPr lang="en-US" dirty="0" smtClean="0"/>
+              <a:rPr lang="en-US" dirty="0"/>
               <a:t>Click to edit Master text styles</a:t>
             </a:r>
           </a:p>
           <a:p>
             <a:pPr lvl="1"/>
             <a:r>
-              <a:rPr lang="en-US" dirty="0" smtClean="0"/>
+              <a:rPr lang="en-US" dirty="0"/>
               <a:t>Second level</a:t>
             </a:r>
           </a:p>
           <a:p>
             <a:pPr lvl="2"/>
             <a:r>
-              <a:rPr lang="en-US" dirty="0" smtClean="0"/>
+              <a:rPr lang="en-US" dirty="0"/>
               <a:t>Third level</a:t>
             </a:r>
           </a:p>
           <a:p>
             <a:pPr lvl="3"/>
             <a:r>
-              <a:rPr lang="en-US" dirty="0" smtClean="0"/>
+              <a:rPr lang="en-US" dirty="0"/>
               <a:t>Fourth level</a:t>
             </a:r>
           </a:p>
           <a:p>
             <a:pPr lvl="4"/>
             <a:r>
-              <a:rPr lang="en-US" dirty="0" smtClean="0"/>
+              <a:rPr lang="en-US" dirty="0"/>
               <a:t>Fifth level</a:t>
             </a:r>
             <a:endParaRPr lang="en-AU" dirty="0"/>
@@ -5280,35 +5231,35 @@
           <a:p>
             <a:pPr lvl="0"/>
             <a:r>
-              <a:rPr lang="en-US" smtClean="0"/>
+              <a:rPr lang="en-US"/>
               <a:t>Click to edit Master text styles</a:t>
             </a:r>
           </a:p>
           <a:p>
             <a:pPr lvl="1"/>
             <a:r>
-              <a:rPr lang="en-US" smtClean="0"/>
+              <a:rPr lang="en-US"/>
               <a:t>Second level</a:t>
             </a:r>
           </a:p>
           <a:p>
             <a:pPr lvl="2"/>
             <a:r>
-              <a:rPr lang="en-US" smtClean="0"/>
+              <a:rPr lang="en-US"/>
               <a:t>Third level</a:t>
             </a:r>
           </a:p>
           <a:p>
             <a:pPr lvl="3"/>
             <a:r>
-              <a:rPr lang="en-US" smtClean="0"/>
+              <a:rPr lang="en-US"/>
               <a:t>Fourth level</a:t>
             </a:r>
           </a:p>
           <a:p>
             <a:pPr lvl="4"/>
             <a:r>
-              <a:rPr lang="en-US" smtClean="0"/>
+              <a:rPr lang="en-US"/>
               <a:t>Fifth level</a:t>
             </a:r>
             <a:endParaRPr lang="en-AU"/>
@@ -5395,11 +5346,11 @@
           <a:lstStyle/>
           <a:p>
             <a:r>
-              <a:rPr lang="en-AU" smtClean="0"/>
+              <a:rPr lang="en-AU"/>
               <a:t>Chapter 2  </a:t>
             </a:r>
             <a:r>
-              <a:rPr lang="en-AU" sz="600" smtClean="0"/>
+              <a:rPr lang="en-AU" sz="600"/>
               <a:t>Building a Webpage Template with HTML5</a:t>
             </a:r>
           </a:p>
@@ -5418,13 +5369,6 @@
   <p:clrMapOvr>
     <a:masterClrMapping/>
   </p:clrMapOvr>
-  <p:timing>
-    <p:tnLst>
-      <p:par>
-        <p:cTn id="1" dur="indefinite" restart="never" nodeType="tmRoot"/>
-      </p:par>
-    </p:tnLst>
-  </p:timing>
 </p:sldLayout>
 </file>
 
@@ -5470,7 +5414,7 @@
           </a:lstStyle>
           <a:p>
             <a:r>
-              <a:rPr lang="en-US" smtClean="0"/>
+              <a:rPr lang="en-US"/>
               <a:t>Click to edit Master title style</a:t>
             </a:r>
             <a:endParaRPr lang="en-AU"/>
@@ -5535,7 +5479,7 @@
           </a:lstStyle>
           <a:p>
             <a:r>
-              <a:rPr lang="en-US" smtClean="0"/>
+              <a:rPr lang="en-US"/>
               <a:t>Click to edit Master subtitle style</a:t>
             </a:r>
             <a:endParaRPr lang="en-AU"/>
@@ -5564,7 +5508,7 @@
           <a:p>
             <a:fld id="{0B7BFBD5-ADEF-409A-8496-1C199FD86A25}" type="datetime1">
               <a:rPr lang="en-AU" smtClean="0"/>
-              <a:t>25/10/2019</a:t>
+              <a:t>23/05/2024</a:t>
             </a:fld>
             <a:endParaRPr lang="en-AU" dirty="0"/>
           </a:p>
@@ -5687,13 +5631,6 @@
   <p:clrMapOvr>
     <a:masterClrMapping/>
   </p:clrMapOvr>
-  <p:timing>
-    <p:tnLst>
-      <p:par>
-        <p:cTn id="1" dur="indefinite" restart="never" nodeType="tmRoot"/>
-      </p:par>
-    </p:tnLst>
-  </p:timing>
 </p:sldLayout>
 </file>
 
@@ -5730,7 +5667,7 @@
           <a:lstStyle/>
           <a:p>
             <a:r>
-              <a:rPr lang="en-US" smtClean="0"/>
+              <a:rPr lang="en-US"/>
               <a:t>Click to edit Master title style</a:t>
             </a:r>
             <a:endParaRPr lang="en-AU"/>
@@ -5754,35 +5691,35 @@
           <a:p>
             <a:pPr lvl="0"/>
             <a:r>
-              <a:rPr lang="en-US" dirty="0" smtClean="0"/>
+              <a:rPr lang="en-US" dirty="0"/>
               <a:t>Click to edit Master text styles</a:t>
             </a:r>
           </a:p>
           <a:p>
             <a:pPr lvl="1"/>
             <a:r>
-              <a:rPr lang="en-US" dirty="0" smtClean="0"/>
+              <a:rPr lang="en-US" dirty="0"/>
               <a:t>Second level</a:t>
             </a:r>
           </a:p>
           <a:p>
             <a:pPr lvl="2"/>
             <a:r>
-              <a:rPr lang="en-US" dirty="0" smtClean="0"/>
+              <a:rPr lang="en-US" dirty="0"/>
               <a:t>Third level</a:t>
             </a:r>
           </a:p>
           <a:p>
             <a:pPr lvl="3"/>
             <a:r>
-              <a:rPr lang="en-US" dirty="0" smtClean="0"/>
+              <a:rPr lang="en-US" dirty="0"/>
               <a:t>Fourth level</a:t>
             </a:r>
           </a:p>
           <a:p>
             <a:pPr lvl="4"/>
             <a:r>
-              <a:rPr lang="en-US" dirty="0" smtClean="0"/>
+              <a:rPr lang="en-US" dirty="0"/>
               <a:t>Fifth level</a:t>
             </a:r>
             <a:endParaRPr lang="en-AU" dirty="0"/>
@@ -5806,7 +5743,7 @@
           <a:p>
             <a:fld id="{7FA1ACBD-4E48-4D63-B331-940BE5A8216D}" type="datetime1">
               <a:rPr lang="en-AU" smtClean="0"/>
-              <a:t>25/10/2019</a:t>
+              <a:t>23/05/2024</a:t>
             </a:fld>
             <a:endParaRPr lang="en-AU" dirty="0"/>
           </a:p>
@@ -5929,13 +5866,6 @@
   <p:clrMapOvr>
     <a:masterClrMapping/>
   </p:clrMapOvr>
-  <p:timing>
-    <p:tnLst>
-      <p:par>
-        <p:cTn id="1" dur="indefinite" restart="never" nodeType="tmRoot"/>
-      </p:par>
-    </p:tnLst>
-  </p:timing>
 </p:sldLayout>
 </file>
 
@@ -5981,7 +5911,7 @@
           </a:lstStyle>
           <a:p>
             <a:r>
-              <a:rPr lang="en-US" smtClean="0"/>
+              <a:rPr lang="en-US"/>
               <a:t>Click to edit Master title style</a:t>
             </a:r>
             <a:endParaRPr lang="en-AU"/>
@@ -6101,7 +6031,7 @@
           <a:p>
             <a:pPr lvl="0"/>
             <a:r>
-              <a:rPr lang="en-US" smtClean="0"/>
+              <a:rPr lang="en-US"/>
               <a:t>Click to edit Master text styles</a:t>
             </a:r>
           </a:p>
@@ -6124,7 +6054,7 @@
           <a:p>
             <a:fld id="{4B10E7CA-4BA3-4495-99CB-21D30A274AF2}" type="datetime1">
               <a:rPr lang="en-AU" smtClean="0"/>
-              <a:t>25/10/2019</a:t>
+              <a:t>23/05/2024</a:t>
             </a:fld>
             <a:endParaRPr lang="en-AU" dirty="0"/>
           </a:p>
@@ -6183,13 +6113,6 @@
   <p:clrMapOvr>
     <a:masterClrMapping/>
   </p:clrMapOvr>
-  <p:timing>
-    <p:tnLst>
-      <p:par>
-        <p:cTn id="1" dur="indefinite" restart="never" nodeType="tmRoot"/>
-      </p:par>
-    </p:tnLst>
-  </p:timing>
 </p:sldLayout>
 </file>
 
@@ -6226,7 +6149,7 @@
           <a:lstStyle/>
           <a:p>
             <a:r>
-              <a:rPr lang="en-US" smtClean="0"/>
+              <a:rPr lang="en-US"/>
               <a:t>Click to edit Master title style</a:t>
             </a:r>
             <a:endParaRPr lang="en-AU"/>
@@ -6255,35 +6178,35 @@
           <a:p>
             <a:pPr lvl="0"/>
             <a:r>
-              <a:rPr lang="en-US" dirty="0" smtClean="0"/>
+              <a:rPr lang="en-US" dirty="0"/>
               <a:t>Click to edit Master text styles</a:t>
             </a:r>
           </a:p>
           <a:p>
             <a:pPr lvl="1"/>
             <a:r>
-              <a:rPr lang="en-US" dirty="0" smtClean="0"/>
+              <a:rPr lang="en-US" dirty="0"/>
               <a:t>Second level</a:t>
             </a:r>
           </a:p>
           <a:p>
             <a:pPr lvl="2"/>
             <a:r>
-              <a:rPr lang="en-US" dirty="0" smtClean="0"/>
+              <a:rPr lang="en-US" dirty="0"/>
               <a:t>Third level</a:t>
             </a:r>
           </a:p>
           <a:p>
             <a:pPr lvl="3"/>
             <a:r>
-              <a:rPr lang="en-US" dirty="0" smtClean="0"/>
+              <a:rPr lang="en-US" dirty="0"/>
               <a:t>Fourth level</a:t>
             </a:r>
           </a:p>
           <a:p>
             <a:pPr lvl="4"/>
             <a:r>
-              <a:rPr lang="en-US" dirty="0" smtClean="0"/>
+              <a:rPr lang="en-US" dirty="0"/>
               <a:t>Fifth level</a:t>
             </a:r>
             <a:endParaRPr lang="en-AU" dirty="0"/>
@@ -6312,35 +6235,35 @@
           <a:p>
             <a:pPr lvl="0"/>
             <a:r>
-              <a:rPr lang="en-US" smtClean="0"/>
+              <a:rPr lang="en-US"/>
               <a:t>Click to edit Master text styles</a:t>
             </a:r>
           </a:p>
           <a:p>
             <a:pPr lvl="1"/>
             <a:r>
-              <a:rPr lang="en-US" smtClean="0"/>
+              <a:rPr lang="en-US"/>
               <a:t>Second level</a:t>
             </a:r>
           </a:p>
           <a:p>
             <a:pPr lvl="2"/>
             <a:r>
-              <a:rPr lang="en-US" smtClean="0"/>
+              <a:rPr lang="en-US"/>
               <a:t>Third level</a:t>
             </a:r>
           </a:p>
           <a:p>
             <a:pPr lvl="3"/>
             <a:r>
-              <a:rPr lang="en-US" smtClean="0"/>
+              <a:rPr lang="en-US"/>
               <a:t>Fourth level</a:t>
             </a:r>
           </a:p>
           <a:p>
             <a:pPr lvl="4"/>
             <a:r>
-              <a:rPr lang="en-US" smtClean="0"/>
+              <a:rPr lang="en-US"/>
               <a:t>Fifth level</a:t>
             </a:r>
             <a:endParaRPr lang="en-AU"/>
@@ -6364,7 +6287,7 @@
           <a:p>
             <a:fld id="{F37DC6C7-015B-415C-9580-A51F4B0DD460}" type="datetime1">
               <a:rPr lang="en-AU" smtClean="0"/>
-              <a:t>25/10/2019</a:t>
+              <a:t>23/05/2024</a:t>
             </a:fld>
             <a:endParaRPr lang="en-AU" dirty="0"/>
           </a:p>
@@ -6482,13 +6405,6 @@
   <p:clrMapOvr>
     <a:masterClrMapping/>
   </p:clrMapOvr>
-  <p:timing>
-    <p:tnLst>
-      <p:par>
-        <p:cTn id="1" dur="indefinite" restart="never" nodeType="tmRoot"/>
-      </p:par>
-    </p:tnLst>
-  </p:timing>
 </p:sldLayout>
 </file>
 
@@ -6530,7 +6446,7 @@
           <a:lstStyle/>
           <a:p>
             <a:r>
-              <a:rPr lang="en-US" smtClean="0"/>
+              <a:rPr lang="en-US"/>
               <a:t>Click to edit Master title style</a:t>
             </a:r>
             <a:endParaRPr lang="en-AU"/>
@@ -6596,7 +6512,7 @@
           <a:p>
             <a:pPr lvl="0"/>
             <a:r>
-              <a:rPr lang="en-US" smtClean="0"/>
+              <a:rPr lang="en-US"/>
               <a:t>Click to edit Master text styles</a:t>
             </a:r>
           </a:p>
@@ -6624,35 +6540,35 @@
           <a:p>
             <a:pPr lvl="0"/>
             <a:r>
-              <a:rPr lang="en-US" smtClean="0"/>
+              <a:rPr lang="en-US"/>
               <a:t>Click to edit Master text styles</a:t>
             </a:r>
           </a:p>
           <a:p>
             <a:pPr lvl="1"/>
             <a:r>
-              <a:rPr lang="en-US" smtClean="0"/>
+              <a:rPr lang="en-US"/>
               <a:t>Second level</a:t>
             </a:r>
           </a:p>
           <a:p>
             <a:pPr lvl="2"/>
             <a:r>
-              <a:rPr lang="en-US" smtClean="0"/>
+              <a:rPr lang="en-US"/>
               <a:t>Third level</a:t>
             </a:r>
           </a:p>
           <a:p>
             <a:pPr lvl="3"/>
             <a:r>
-              <a:rPr lang="en-US" smtClean="0"/>
+              <a:rPr lang="en-US"/>
               <a:t>Fourth level</a:t>
             </a:r>
           </a:p>
           <a:p>
             <a:pPr lvl="4"/>
             <a:r>
-              <a:rPr lang="en-US" smtClean="0"/>
+              <a:rPr lang="en-US"/>
               <a:t>Fifth level</a:t>
             </a:r>
             <a:endParaRPr lang="en-AU"/>
@@ -6718,7 +6634,7 @@
           <a:p>
             <a:pPr lvl="0"/>
             <a:r>
-              <a:rPr lang="en-US" smtClean="0"/>
+              <a:rPr lang="en-US"/>
               <a:t>Click to edit Master text styles</a:t>
             </a:r>
           </a:p>
@@ -6746,35 +6662,35 @@
           <a:p>
             <a:pPr lvl="0"/>
             <a:r>
-              <a:rPr lang="en-US" smtClean="0"/>
+              <a:rPr lang="en-US"/>
               <a:t>Click to edit Master text styles</a:t>
             </a:r>
           </a:p>
           <a:p>
             <a:pPr lvl="1"/>
             <a:r>
-              <a:rPr lang="en-US" smtClean="0"/>
+              <a:rPr lang="en-US"/>
               <a:t>Second level</a:t>
             </a:r>
           </a:p>
           <a:p>
             <a:pPr lvl="2"/>
             <a:r>
-              <a:rPr lang="en-US" smtClean="0"/>
+              <a:rPr lang="en-US"/>
               <a:t>Third level</a:t>
             </a:r>
           </a:p>
           <a:p>
             <a:pPr lvl="3"/>
             <a:r>
-              <a:rPr lang="en-US" smtClean="0"/>
+              <a:rPr lang="en-US"/>
               <a:t>Fourth level</a:t>
             </a:r>
           </a:p>
           <a:p>
             <a:pPr lvl="4"/>
             <a:r>
-              <a:rPr lang="en-US" smtClean="0"/>
+              <a:rPr lang="en-US"/>
               <a:t>Fifth level</a:t>
             </a:r>
             <a:endParaRPr lang="en-AU"/>
@@ -6798,7 +6714,7 @@
           <a:p>
             <a:fld id="{E43AF249-7AAA-440E-9A94-2519FA17C0A0}" type="datetime1">
               <a:rPr lang="en-AU" smtClean="0"/>
-              <a:t>25/10/2019</a:t>
+              <a:t>23/05/2024</a:t>
             </a:fld>
             <a:endParaRPr lang="en-AU" dirty="0"/>
           </a:p>
@@ -6921,13 +6837,6 @@
   <p:clrMapOvr>
     <a:masterClrMapping/>
   </p:clrMapOvr>
-  <p:timing>
-    <p:tnLst>
-      <p:par>
-        <p:cTn id="1" dur="indefinite" restart="never" nodeType="tmRoot"/>
-      </p:par>
-    </p:tnLst>
-  </p:timing>
 </p:sldLayout>
 </file>
 
@@ -6964,7 +6873,7 @@
           <a:lstStyle/>
           <a:p>
             <a:r>
-              <a:rPr lang="en-US" smtClean="0"/>
+              <a:rPr lang="en-US"/>
               <a:t>Click to edit Master title style</a:t>
             </a:r>
             <a:endParaRPr lang="en-AU"/>
@@ -6988,7 +6897,7 @@
           <a:p>
             <a:fld id="{F859AB67-BE92-4A5F-B3CB-248AC6737EBC}" type="datetime1">
               <a:rPr lang="en-AU" smtClean="0"/>
-              <a:t>25/10/2019</a:t>
+              <a:t>23/05/2024</a:t>
             </a:fld>
             <a:endParaRPr lang="en-AU" dirty="0"/>
           </a:p>
@@ -7111,13 +7020,6 @@
   <p:clrMapOvr>
     <a:masterClrMapping/>
   </p:clrMapOvr>
-  <p:timing>
-    <p:tnLst>
-      <p:par>
-        <p:cTn id="1" dur="indefinite" restart="never" nodeType="tmRoot"/>
-      </p:par>
-    </p:tnLst>
-  </p:timing>
 </p:sldLayout>
 </file>
 
@@ -7169,7 +7071,7 @@
           <a:lstStyle/>
           <a:p>
             <a:r>
-              <a:rPr lang="en-US" dirty="0" smtClean="0"/>
+              <a:rPr lang="en-US" dirty="0"/>
               <a:t>Click to edit Master title style</a:t>
             </a:r>
             <a:endParaRPr lang="en-AU" dirty="0"/>
@@ -7203,35 +7105,35 @@
           <a:p>
             <a:pPr lvl="0"/>
             <a:r>
-              <a:rPr lang="en-US" dirty="0" smtClean="0"/>
+              <a:rPr lang="en-US" dirty="0"/>
               <a:t>Click to edit Master text styles</a:t>
             </a:r>
           </a:p>
           <a:p>
             <a:pPr lvl="1"/>
             <a:r>
-              <a:rPr lang="en-US" dirty="0" smtClean="0"/>
+              <a:rPr lang="en-US" dirty="0"/>
               <a:t>Second level</a:t>
             </a:r>
           </a:p>
           <a:p>
             <a:pPr lvl="2"/>
             <a:r>
-              <a:rPr lang="en-US" dirty="0" smtClean="0"/>
+              <a:rPr lang="en-US" dirty="0"/>
               <a:t>Third level</a:t>
             </a:r>
           </a:p>
           <a:p>
             <a:pPr lvl="3"/>
             <a:r>
-              <a:rPr lang="en-US" dirty="0" smtClean="0"/>
+              <a:rPr lang="en-US" dirty="0"/>
               <a:t>Fourth level</a:t>
             </a:r>
           </a:p>
           <a:p>
             <a:pPr lvl="4"/>
             <a:r>
-              <a:rPr lang="en-US" dirty="0" smtClean="0"/>
+              <a:rPr lang="en-US" dirty="0"/>
               <a:t>Fifth level</a:t>
             </a:r>
             <a:endParaRPr lang="en-AU" dirty="0"/>
@@ -7674,11 +7576,11 @@
           </a:lstStyle>
           <a:p>
             <a:r>
-              <a:rPr lang="en-AU" dirty="0" smtClean="0"/>
+              <a:rPr lang="en-AU" dirty="0"/>
               <a:t>Chapter 2  </a:t>
             </a:r>
             <a:r>
-              <a:rPr lang="en-AU" sz="600" dirty="0" smtClean="0"/>
+              <a:rPr lang="en-AU" sz="600" dirty="0"/>
               <a:t>Building a Webpage Template with HTML5</a:t>
             </a:r>
           </a:p>
@@ -7700,13 +7602,6 @@
     <p:sldLayoutId id="2147483710" r:id="rId2"/>
     <p:sldLayoutId id="2147483723" r:id="rId3"/>
   </p:sldLayoutIdLst>
-  <p:timing>
-    <p:tnLst>
-      <p:par>
-        <p:cTn id="1" dur="indefinite" restart="never" nodeType="tmRoot"/>
-      </p:par>
-    </p:tnLst>
-  </p:timing>
   <p:hf sldNum="0" hdr="0" dt="0"/>
   <p:txStyles>
     <p:titleStyle>
@@ -8039,7 +7934,7 @@
           <a:lstStyle/>
           <a:p>
             <a:r>
-              <a:rPr lang="en-US" smtClean="0"/>
+              <a:rPr lang="en-US"/>
               <a:t>Click to edit Master title style</a:t>
             </a:r>
             <a:endParaRPr lang="en-AU"/>
@@ -8073,35 +7968,35 @@
           <a:p>
             <a:pPr lvl="0"/>
             <a:r>
-              <a:rPr lang="en-US" smtClean="0"/>
+              <a:rPr lang="en-US"/>
               <a:t>Click to edit Master text styles</a:t>
             </a:r>
           </a:p>
           <a:p>
             <a:pPr lvl="1"/>
             <a:r>
-              <a:rPr lang="en-US" smtClean="0"/>
+              <a:rPr lang="en-US"/>
               <a:t>Second level</a:t>
             </a:r>
           </a:p>
           <a:p>
             <a:pPr lvl="2"/>
             <a:r>
-              <a:rPr lang="en-US" smtClean="0"/>
+              <a:rPr lang="en-US"/>
               <a:t>Third level</a:t>
             </a:r>
           </a:p>
           <a:p>
             <a:pPr lvl="3"/>
             <a:r>
-              <a:rPr lang="en-US" smtClean="0"/>
+              <a:rPr lang="en-US"/>
               <a:t>Fourth level</a:t>
             </a:r>
           </a:p>
           <a:p>
             <a:pPr lvl="4"/>
             <a:r>
-              <a:rPr lang="en-US" smtClean="0"/>
+              <a:rPr lang="en-US"/>
               <a:t>Fifth level</a:t>
             </a:r>
             <a:endParaRPr lang="en-AU"/>
@@ -8143,7 +8038,7 @@
           <a:p>
             <a:fld id="{59306243-C70C-45D1-8356-394DC7D7A48D}" type="datetime1">
               <a:rPr lang="en-AU" smtClean="0"/>
-              <a:t>25/10/2019</a:t>
+              <a:t>23/05/2024</a:t>
             </a:fld>
             <a:endParaRPr lang="en-AU" dirty="0"/>
           </a:p>
@@ -8249,13 +8144,6 @@
     <p:sldLayoutId id="2147483734" r:id="rId10"/>
     <p:sldLayoutId id="2147483735" r:id="rId11"/>
   </p:sldLayoutIdLst>
-  <p:timing>
-    <p:tnLst>
-      <p:par>
-        <p:cTn id="1" dur="indefinite" restart="never" nodeType="tmRoot"/>
-      </p:par>
-    </p:tnLst>
-  </p:timing>
   <p:hf hdr="0" ftr="0" dt="0"/>
   <p:txStyles>
     <p:titleStyle>
@@ -9473,13 +9361,6 @@
   <p:clrMapOvr>
     <a:masterClrMapping/>
   </p:clrMapOvr>
-  <p:timing>
-    <p:tnLst>
-      <p:par>
-        <p:cTn id="1" dur="indefinite" restart="never" nodeType="tmRoot"/>
-      </p:par>
-    </p:tnLst>
-  </p:timing>
 </p:sld>
 </file>
 
@@ -9516,10 +9397,9 @@
           <a:lstStyle/>
           <a:p>
             <a:r>
-              <a:rPr lang="en-IN" smtClean="0"/>
+              <a:rPr lang="en-IN" dirty="0"/>
               <a:t>Site Map (continued 2)</a:t>
             </a:r>
-            <a:endParaRPr lang="en-IN" dirty="0"/>
           </a:p>
         </p:txBody>
       </p:sp>
@@ -9579,7 +9459,7 @@
               <a:defRPr/>
             </a:pPr>
             <a:r>
-              <a:rPr lang="en-AU" smtClean="0"/>
+              <a:rPr lang="en-AU"/>
               <a:t>Chapter 2  Building a Webpage Template with HTML5 </a:t>
             </a:r>
             <a:endParaRPr lang="en-US" dirty="0"/>
@@ -9596,13 +9476,6 @@
   <p:clrMapOvr>
     <a:masterClrMapping/>
   </p:clrMapOvr>
-  <p:timing>
-    <p:tnLst>
-      <p:par>
-        <p:cTn id="1" dur="indefinite" restart="never" nodeType="tmRoot"/>
-      </p:par>
-    </p:tnLst>
-  </p:timing>
 </p:sld>
 </file>
 
@@ -9639,10 +9512,9 @@
           <a:lstStyle/>
           <a:p>
             <a:r>
-              <a:rPr lang="en-IN" smtClean="0"/>
+              <a:rPr lang="en-IN" dirty="0"/>
               <a:t>Wireframe</a:t>
             </a:r>
-            <a:endParaRPr lang="en-IN" dirty="0"/>
           </a:p>
         </p:txBody>
       </p:sp>
@@ -9662,7 +9534,7 @@
           <a:lstStyle/>
           <a:p>
             <a:r>
-              <a:rPr lang="en-IN" smtClean="0"/>
+              <a:rPr lang="en-IN" dirty="0"/>
               <a:t>Wireframe depicts the layout of a webpage, including its major content areas</a:t>
             </a:r>
           </a:p>
@@ -9698,7 +9570,7 @@
               <a:defRPr/>
             </a:pPr>
             <a:r>
-              <a:rPr lang="en-AU" smtClean="0"/>
+              <a:rPr lang="en-AU"/>
               <a:t>Chapter 2  Building a Webpage Template with HTML5 </a:t>
             </a:r>
             <a:endParaRPr lang="en-US" dirty="0"/>
@@ -9739,13 +9611,6 @@
   <p:clrMapOvr>
     <a:masterClrMapping/>
   </p:clrMapOvr>
-  <p:timing>
-    <p:tnLst>
-      <p:par>
-        <p:cTn id="1" dur="indefinite" restart="never" nodeType="tmRoot"/>
-      </p:par>
-    </p:tnLst>
-  </p:timing>
 </p:sld>
 </file>
 
@@ -9782,10 +9647,9 @@
           <a:lstStyle/>
           <a:p>
             <a:r>
-              <a:rPr lang="en-IN" smtClean="0"/>
+              <a:rPr lang="en-IN" dirty="0"/>
               <a:t>File Management</a:t>
             </a:r>
-            <a:endParaRPr lang="en-IN" dirty="0"/>
           </a:p>
         </p:txBody>
       </p:sp>
@@ -9805,22 +9669,21 @@
           <a:lstStyle/>
           <a:p>
             <a:r>
-              <a:rPr lang="en-IN" smtClean="0"/>
+              <a:rPr lang="en-IN" dirty="0"/>
               <a:t>Websites use several types of files, including HTML files, image files, media such as audio and video files, and CSS files</a:t>
             </a:r>
           </a:p>
           <a:p>
             <a:r>
-              <a:rPr lang="en-IN" smtClean="0"/>
+              <a:rPr lang="en-IN" dirty="0"/>
               <a:t>Each site must follow a systematic method to organize its files</a:t>
             </a:r>
           </a:p>
           <a:p>
             <a:r>
-              <a:rPr lang="en-IN" smtClean="0"/>
+              <a:rPr lang="en-IN" dirty="0"/>
               <a:t>The main folder, also called the root folder, contains all files and other folders for the website</a:t>
             </a:r>
-            <a:endParaRPr lang="en-IN" dirty="0"/>
           </a:p>
         </p:txBody>
       </p:sp>
@@ -9845,7 +9708,7 @@
           <a:lstStyle/>
           <a:p>
             <a:r>
-              <a:rPr lang="en-AU" dirty="0" smtClean="0"/>
+              <a:rPr lang="en-AU" dirty="0"/>
               <a:t>Chapter 2  Building a Webpage Template with HTML5 </a:t>
             </a:r>
             <a:endParaRPr lang="en-US" dirty="0"/>
@@ -9862,13 +9725,6 @@
   <p:clrMapOvr>
     <a:masterClrMapping/>
   </p:clrMapOvr>
-  <p:timing>
-    <p:tnLst>
-      <p:par>
-        <p:cTn id="1" dur="indefinite" restart="never" nodeType="tmRoot"/>
-      </p:par>
-    </p:tnLst>
-  </p:timing>
 </p:sld>
 </file>
 
@@ -9905,10 +9761,9 @@
           <a:lstStyle/>
           <a:p>
             <a:r>
-              <a:rPr lang="en-IN" smtClean="0"/>
+              <a:rPr lang="en-IN" dirty="0"/>
               <a:t>File Management (continued)</a:t>
             </a:r>
-            <a:endParaRPr lang="en-IN" dirty="0"/>
           </a:p>
         </p:txBody>
       </p:sp>
@@ -9968,7 +9823,7 @@
               <a:defRPr/>
             </a:pPr>
             <a:r>
-              <a:rPr lang="en-AU" smtClean="0"/>
+              <a:rPr lang="en-AU"/>
               <a:t>Chapter 2  Building a Webpage Template with HTML5 </a:t>
             </a:r>
             <a:endParaRPr lang="en-US" dirty="0"/>
@@ -9985,13 +9840,6 @@
   <p:clrMapOvr>
     <a:masterClrMapping/>
   </p:clrMapOvr>
-  <p:timing>
-    <p:tnLst>
-      <p:par>
-        <p:cTn id="1" dur="indefinite" restart="never" nodeType="tmRoot"/>
-      </p:par>
-    </p:tnLst>
-  </p:timing>
 </p:sld>
 </file>
 
@@ -10028,10 +9876,9 @@
           <a:lstStyle/>
           <a:p>
             <a:r>
-              <a:rPr lang="en-IN" smtClean="0"/>
+              <a:rPr lang="en-IN" dirty="0"/>
               <a:t>Using HTML5 Semantic Elements</a:t>
             </a:r>
-            <a:endParaRPr lang="en-IN" dirty="0"/>
           </a:p>
         </p:txBody>
       </p:sp>
@@ -10059,8 +9906,8 @@
         </p:blipFill>
         <p:spPr>
           <a:xfrm>
-            <a:off x="628650" y="2607494"/>
-            <a:ext cx="7886700" cy="2787599"/>
+            <a:off x="628650" y="1735931"/>
+            <a:ext cx="7886700" cy="4283869"/>
           </a:xfrm>
         </p:spPr>
       </p:pic>
@@ -10091,7 +9938,7 @@
               <a:defRPr/>
             </a:pPr>
             <a:r>
-              <a:rPr lang="en-AU" smtClean="0"/>
+              <a:rPr lang="en-AU"/>
               <a:t>Chapter 2  Building a Webpage Template with HTML5 </a:t>
             </a:r>
             <a:endParaRPr lang="en-US" dirty="0"/>
@@ -10108,13 +9955,6 @@
   <p:clrMapOvr>
     <a:masterClrMapping/>
   </p:clrMapOvr>
-  <p:timing>
-    <p:tnLst>
-      <p:par>
-        <p:cTn id="1" dur="indefinite" restart="never" nodeType="tmRoot"/>
-      </p:par>
-    </p:tnLst>
-  </p:timing>
 </p:sld>
 </file>
 
@@ -10151,10 +9991,9 @@
           <a:lstStyle/>
           <a:p>
             <a:r>
-              <a:rPr lang="en-IN" smtClean="0"/>
+              <a:rPr lang="en-IN" dirty="0"/>
               <a:t>Using HTML5 Semantic Elements (continued 1)</a:t>
             </a:r>
-            <a:endParaRPr lang="en-IN" dirty="0"/>
           </a:p>
         </p:txBody>
       </p:sp>
@@ -10214,7 +10053,7 @@
               <a:defRPr/>
             </a:pPr>
             <a:r>
-              <a:rPr lang="en-AU" smtClean="0"/>
+              <a:rPr lang="en-AU"/>
               <a:t>Chapter 2  Building a Webpage Template with HTML5 </a:t>
             </a:r>
             <a:endParaRPr lang="en-US" dirty="0"/>
@@ -10231,13 +10070,6 @@
   <p:clrMapOvr>
     <a:masterClrMapping/>
   </p:clrMapOvr>
-  <p:timing>
-    <p:tnLst>
-      <p:par>
-        <p:cTn id="1" dur="indefinite" restart="never" nodeType="tmRoot"/>
-      </p:par>
-    </p:tnLst>
-  </p:timing>
 </p:sld>
 </file>
 
@@ -10274,51 +10106,50 @@
           <a:lstStyle/>
           <a:p>
             <a:r>
-              <a:rPr lang="en-IN" smtClean="0"/>
+              <a:rPr lang="en-IN" dirty="0"/>
               <a:t>Creating a Webpage Template Document</a:t>
             </a:r>
+          </a:p>
+        </p:txBody>
+      </p:sp>
+      <p:sp>
+        <p:nvSpPr>
+          <p:cNvPr id="2" name="Content Placeholder 1"/>
+          <p:cNvSpPr>
+            <a:spLocks noGrp="1"/>
+          </p:cNvSpPr>
+          <p:nvPr>
+            <p:ph idx="1"/>
+          </p:nvPr>
+        </p:nvSpPr>
+        <p:spPr/>
+        <p:txBody>
+          <a:bodyPr/>
+          <a:lstStyle/>
+          <a:p>
+            <a:r>
+              <a:rPr lang="en-IN"/>
+              <a:t>The following steps create a basic webpage template:</a:t>
+            </a:r>
+          </a:p>
+          <a:p>
+            <a:r>
+              <a:rPr lang="en-IN"/>
+              <a:t>Open an editor, tap or click File on the menu bar, and then tap or click New to open a new blank document</a:t>
+            </a:r>
+          </a:p>
+          <a:p>
+            <a:r>
+              <a:rPr lang="en-IN"/>
+              <a:t>Tap or click File on the menu bar and then tap or click Save As to display the Save As dialog box</a:t>
+            </a:r>
+          </a:p>
+          <a:p>
+            <a:r>
+              <a:rPr lang="en-IN"/>
+              <a:t>Navigate to the fitness folder and then double-tap or double-click the template folder to open it</a:t>
+            </a:r>
             <a:endParaRPr lang="en-IN" dirty="0"/>
-          </a:p>
-        </p:txBody>
-      </p:sp>
-      <p:sp>
-        <p:nvSpPr>
-          <p:cNvPr id="2" name="Content Placeholder 1"/>
-          <p:cNvSpPr>
-            <a:spLocks noGrp="1"/>
-          </p:cNvSpPr>
-          <p:nvPr>
-            <p:ph idx="1"/>
-          </p:nvPr>
-        </p:nvSpPr>
-        <p:spPr/>
-        <p:txBody>
-          <a:bodyPr/>
-          <a:lstStyle/>
-          <a:p>
-            <a:r>
-              <a:rPr lang="en-IN" smtClean="0"/>
-              <a:t>The following steps create a basic webpage template:</a:t>
-            </a:r>
-          </a:p>
-          <a:p>
-            <a:r>
-              <a:rPr lang="en-IN" smtClean="0"/>
-              <a:t>Open an editor, tap or click File on the menu bar, and then tap or click New to open a new blank document</a:t>
-            </a:r>
-          </a:p>
-          <a:p>
-            <a:r>
-              <a:rPr lang="en-IN" smtClean="0"/>
-              <a:t>Tap or click File on the menu bar and then tap or click Save As to display the Save As dialog box</a:t>
-            </a:r>
-          </a:p>
-          <a:p>
-            <a:r>
-              <a:rPr lang="en-IN" smtClean="0"/>
-              <a:t>Navigate to the fitness folder and then double-tap or double-click the template folder to open it</a:t>
-            </a:r>
-            <a:endParaRPr lang="en-IN" dirty="0" smtClean="0"/>
           </a:p>
         </p:txBody>
       </p:sp>
@@ -10349,7 +10180,7 @@
               <a:defRPr/>
             </a:pPr>
             <a:r>
-              <a:rPr lang="en-AU" smtClean="0"/>
+              <a:rPr lang="en-AU"/>
               <a:t>Chapter 2  Building a Webpage Template with HTML5 </a:t>
             </a:r>
             <a:endParaRPr lang="en-US" dirty="0"/>
@@ -10366,13 +10197,6 @@
   <p:clrMapOvr>
     <a:masterClrMapping/>
   </p:clrMapOvr>
-  <p:timing>
-    <p:tnLst>
-      <p:par>
-        <p:cTn id="1" dur="indefinite" restart="never" nodeType="tmRoot"/>
-      </p:par>
-    </p:tnLst>
-  </p:timing>
 </p:sld>
 </file>
 
@@ -10409,10 +10233,9 @@
           <a:lstStyle/>
           <a:p>
             <a:r>
-              <a:rPr lang="en-IN" smtClean="0"/>
+              <a:rPr lang="en-IN" dirty="0"/>
               <a:t>Creating a Webpage Template Document (continued 1)</a:t>
             </a:r>
-            <a:endParaRPr lang="en-IN" dirty="0"/>
           </a:p>
         </p:txBody>
       </p:sp>
@@ -10432,25 +10255,25 @@
           <a:lstStyle/>
           <a:p>
             <a:r>
-              <a:rPr lang="en-IN" smtClean="0"/>
+              <a:rPr lang="en-IN"/>
               <a:t>In the File name box, type fitness to name the file</a:t>
             </a:r>
           </a:p>
           <a:p>
             <a:r>
-              <a:rPr lang="en-IN" smtClean="0"/>
+              <a:rPr lang="en-IN"/>
               <a:t>Tap or click the Save button to type and tap or click Hyper Text Markup Language to select the file format</a:t>
             </a:r>
           </a:p>
           <a:p>
             <a:r>
-              <a:rPr lang="en-IN" smtClean="0"/>
+              <a:rPr lang="en-IN"/>
               <a:t>Tap or click the Save button to save the template in the template folder</a:t>
             </a:r>
           </a:p>
           <a:p>
             <a:r>
-              <a:rPr lang="en-IN" smtClean="0"/>
+              <a:rPr lang="en-IN"/>
               <a:t>On Line 1 of the text editor, type &lt;!DOCTYPE html&gt; to define a new HTML5 document (Figure 2−8)</a:t>
             </a:r>
             <a:endParaRPr lang="en-IN" dirty="0"/>
@@ -10484,7 +10307,7 @@
               <a:defRPr/>
             </a:pPr>
             <a:r>
-              <a:rPr lang="en-AU" smtClean="0"/>
+              <a:rPr lang="en-AU"/>
               <a:t>Chapter 2  Building a Webpage Template with HTML5 </a:t>
             </a:r>
             <a:endParaRPr lang="en-US" dirty="0"/>
@@ -10501,13 +10324,6 @@
   <p:clrMapOvr>
     <a:masterClrMapping/>
   </p:clrMapOvr>
-  <p:timing>
-    <p:tnLst>
-      <p:par>
-        <p:cTn id="1" dur="indefinite" restart="never" nodeType="tmRoot"/>
-      </p:par>
-    </p:tnLst>
-  </p:timing>
 </p:sld>
 </file>
 
@@ -10544,10 +10360,9 @@
           <a:lstStyle/>
           <a:p>
             <a:r>
-              <a:rPr lang="en-IN" smtClean="0"/>
+              <a:rPr lang="en-IN" dirty="0"/>
               <a:t>Creating a Webpage Template Document (continued 2)</a:t>
             </a:r>
-            <a:endParaRPr lang="en-IN" dirty="0"/>
           </a:p>
         </p:txBody>
       </p:sp>
@@ -10607,7 +10422,7 @@
               <a:defRPr/>
             </a:pPr>
             <a:r>
-              <a:rPr lang="en-AU" smtClean="0"/>
+              <a:rPr lang="en-AU"/>
               <a:t>Chapter 2  Building a Webpage Template with HTML5 </a:t>
             </a:r>
             <a:endParaRPr lang="en-US" dirty="0"/>
@@ -10624,13 +10439,6 @@
   <p:clrMapOvr>
     <a:masterClrMapping/>
   </p:clrMapOvr>
-  <p:timing>
-    <p:tnLst>
-      <p:par>
-        <p:cTn id="1" dur="indefinite" restart="never" nodeType="tmRoot"/>
-      </p:par>
-    </p:tnLst>
-  </p:timing>
 </p:sld>
 </file>
 
@@ -10667,10 +10475,9 @@
           <a:lstStyle/>
           <a:p>
             <a:r>
-              <a:rPr lang="en-IN" smtClean="0"/>
+              <a:rPr lang="en-IN" dirty="0"/>
               <a:t>Creating a Webpage Template Document (continued 3)</a:t>
             </a:r>
-            <a:endParaRPr lang="en-IN" dirty="0"/>
           </a:p>
         </p:txBody>
       </p:sp>
@@ -10690,13 +10497,13 @@
           <a:lstStyle/>
           <a:p>
             <a:r>
-              <a:rPr lang="en-IN" smtClean="0"/>
+              <a:rPr lang="en-IN"/>
               <a:t>Press the ENTER key to add Line 2 and then type &lt;html lang=“en”&gt; to add a starting &lt;html&gt; tag that defines the language as English</a:t>
             </a:r>
           </a:p>
           <a:p>
             <a:r>
-              <a:rPr lang="en-IN" smtClean="0"/>
+              <a:rPr lang="en-IN"/>
               <a:t>Press the ENTER key to add Line 3 and then type &lt;head&gt; to add a starting &lt;head&gt; tag (Figure 2−9)</a:t>
             </a:r>
             <a:endParaRPr lang="en-IN" dirty="0"/>
@@ -10730,7 +10537,7 @@
               <a:defRPr/>
             </a:pPr>
             <a:r>
-              <a:rPr lang="en-AU" smtClean="0"/>
+              <a:rPr lang="en-AU"/>
               <a:t>Chapter 2  Building a Webpage Template with HTML5 </a:t>
             </a:r>
             <a:endParaRPr lang="en-US" dirty="0"/>
@@ -10747,13 +10554,6 @@
   <p:clrMapOvr>
     <a:masterClrMapping/>
   </p:clrMapOvr>
-  <p:timing>
-    <p:tnLst>
-      <p:par>
-        <p:cTn id="1" dur="indefinite" restart="never" nodeType="tmRoot"/>
-      </p:par>
-    </p:tnLst>
-  </p:timing>
 </p:sld>
 </file>
 
@@ -10790,10 +10590,9 @@
           <a:lstStyle/>
           <a:p>
             <a:r>
-              <a:rPr lang="en-AU" dirty="0" smtClean="0"/>
+              <a:rPr lang="en-AU" dirty="0"/>
               <a:t>Resource Material</a:t>
             </a:r>
-            <a:endParaRPr lang="en-AU" dirty="0"/>
           </a:p>
         </p:txBody>
       </p:sp>
@@ -10813,25 +10612,25 @@
           <a:lstStyle/>
           <a:p>
             <a:r>
-              <a:rPr lang="en-AU" smtClean="0"/>
+              <a:rPr lang="en-AU"/>
               <a:t>Web Design with HTML &amp; CSS3: Comprehensive, 8th Edition</a:t>
             </a:r>
           </a:p>
           <a:p>
             <a:r>
-              <a:rPr lang="en-AU" smtClean="0"/>
+              <a:rPr lang="en-AU"/>
               <a:t>Jessica Minnick; Lisa Friedrichsen</a:t>
             </a:r>
           </a:p>
           <a:p>
             <a:r>
-              <a:rPr lang="en-AU" smtClean="0"/>
+              <a:rPr lang="en-AU"/>
               <a:t>ISBN-10: 1305578163 | ISBN-13: 9781305578166  © 2017</a:t>
             </a:r>
           </a:p>
           <a:p>
             <a:r>
-              <a:rPr lang="en-AU" smtClean="0"/>
+              <a:rPr lang="en-AU"/>
               <a:t>Cengage Learning Australia </a:t>
             </a:r>
             <a:endParaRPr lang="en-AU" dirty="0"/>
@@ -11517,11 +11316,11 @@
           <a:lstStyle/>
           <a:p>
             <a:r>
-              <a:rPr lang="en-AU" smtClean="0"/>
+              <a:rPr lang="en-AU"/>
               <a:t>Chapter 2  </a:t>
             </a:r>
             <a:r>
-              <a:rPr lang="en-AU" sz="600" smtClean="0"/>
+              <a:rPr lang="en-AU" sz="600"/>
               <a:t>Building a Webpage Template with HTML5</a:t>
             </a:r>
           </a:p>
@@ -11540,13 +11339,6 @@
   <p:clrMapOvr>
     <a:masterClrMapping/>
   </p:clrMapOvr>
-  <p:timing>
-    <p:tnLst>
-      <p:par>
-        <p:cTn id="1" dur="indefinite" restart="never" nodeType="tmRoot"/>
-      </p:par>
-    </p:tnLst>
-  </p:timing>
 </p:sld>
 </file>
 
@@ -11583,10 +11375,9 @@
           <a:lstStyle/>
           <a:p>
             <a:r>
-              <a:rPr lang="en-IN" smtClean="0"/>
+              <a:rPr lang="en-IN" dirty="0"/>
               <a:t>Creating a Webpage Template Document (continued 4)</a:t>
             </a:r>
-            <a:endParaRPr lang="en-IN" dirty="0"/>
           </a:p>
         </p:txBody>
       </p:sp>
@@ -11640,7 +11431,7 @@
               <a:defRPr/>
             </a:pPr>
             <a:r>
-              <a:rPr lang="en-AU" smtClean="0"/>
+              <a:rPr lang="en-AU"/>
               <a:t>Chapter 2  Building a Webpage Template with HTML5 </a:t>
             </a:r>
             <a:endParaRPr lang="en-US" dirty="0"/>
@@ -11657,13 +11448,6 @@
   <p:clrMapOvr>
     <a:masterClrMapping/>
   </p:clrMapOvr>
-  <p:timing>
-    <p:tnLst>
-      <p:par>
-        <p:cTn id="1" dur="indefinite" restart="never" nodeType="tmRoot"/>
-      </p:par>
-    </p:tnLst>
-  </p:timing>
 </p:sld>
 </file>
 
@@ -11700,87 +11484,86 @@
           <a:lstStyle/>
           <a:p>
             <a:r>
-              <a:rPr lang="en-IN" smtClean="0"/>
+              <a:rPr lang="en-IN" dirty="0"/>
               <a:t>Creating a Webpage Template Document (continued 5)</a:t>
             </a:r>
+          </a:p>
+        </p:txBody>
+      </p:sp>
+      <p:sp>
+        <p:nvSpPr>
+          <p:cNvPr id="2" name="Content Placeholder 1"/>
+          <p:cNvSpPr>
+            <a:spLocks noGrp="1"/>
+          </p:cNvSpPr>
+          <p:nvPr>
+            <p:ph idx="1"/>
+          </p:nvPr>
+        </p:nvSpPr>
+        <p:spPr/>
+        <p:txBody>
+          <a:bodyPr/>
+          <a:lstStyle/>
+          <a:p>
+            <a:r>
+              <a:rPr lang="en-IN"/>
+              <a:t>Add the following HTML elements to complete the template using the SPACEBAR or TAB key to indent Lines 4 and 5</a:t>
+            </a:r>
+          </a:p>
+          <a:p>
+            <a:r>
+              <a:rPr lang="en-IN"/>
+              <a:t>Use the SHIFT+TAB keys to stop indenting</a:t>
+            </a:r>
+          </a:p>
+          <a:p>
+            <a:pPr lvl="1"/>
+            <a:r>
+              <a:rPr lang="en-IN"/>
+              <a:t>&lt;title&gt;&lt;/title&gt;</a:t>
+            </a:r>
+          </a:p>
+          <a:p>
+            <a:pPr lvl="1"/>
+            <a:r>
+              <a:rPr lang="en-IN"/>
+              <a:t>&lt;meta charset=“utf-8”&gt;</a:t>
+            </a:r>
+          </a:p>
+          <a:p>
+            <a:pPr lvl="1"/>
+            <a:r>
+              <a:rPr lang="en-IN"/>
+              <a:t>&lt;/head&gt;</a:t>
+            </a:r>
+          </a:p>
+          <a:p>
+            <a:pPr lvl="1"/>
+            <a:r>
+              <a:rPr lang="en-IN"/>
+              <a:t>&lt;body&gt;</a:t>
+            </a:r>
+          </a:p>
+          <a:p>
+            <a:pPr lvl="1"/>
+            <a:r>
+              <a:rPr lang="en-IN"/>
+              <a:t>&lt;/body&gt;</a:t>
+            </a:r>
+          </a:p>
+          <a:p>
+            <a:pPr lvl="1"/>
+            <a:r>
+              <a:rPr lang="en-IN"/>
+              <a:t>&lt;/html&gt;</a:t>
+            </a:r>
+          </a:p>
+          <a:p>
+            <a:r>
+              <a:rPr lang="en-IN"/>
+              <a:t>Save the changes</a:t>
+            </a:r>
             <a:endParaRPr lang="en-IN" dirty="0"/>
-          </a:p>
-        </p:txBody>
-      </p:sp>
-      <p:sp>
-        <p:nvSpPr>
-          <p:cNvPr id="2" name="Content Placeholder 1"/>
-          <p:cNvSpPr>
-            <a:spLocks noGrp="1"/>
-          </p:cNvSpPr>
-          <p:nvPr>
-            <p:ph idx="1"/>
-          </p:nvPr>
-        </p:nvSpPr>
-        <p:spPr/>
-        <p:txBody>
-          <a:bodyPr/>
-          <a:lstStyle/>
-          <a:p>
-            <a:r>
-              <a:rPr lang="en-IN" smtClean="0"/>
-              <a:t>Add the following HTML elements to complete the template using the SPACEBAR or TAB key to indent Lines 4 and 5</a:t>
-            </a:r>
-          </a:p>
-          <a:p>
-            <a:r>
-              <a:rPr lang="en-IN" smtClean="0"/>
-              <a:t>Use the SHIFT+TAB keys to stop indenting</a:t>
-            </a:r>
-          </a:p>
-          <a:p>
-            <a:pPr lvl="1"/>
-            <a:r>
-              <a:rPr lang="en-IN" smtClean="0"/>
-              <a:t>&lt;title&gt;&lt;/title&gt;</a:t>
-            </a:r>
-          </a:p>
-          <a:p>
-            <a:pPr lvl="1"/>
-            <a:r>
-              <a:rPr lang="en-IN" smtClean="0"/>
-              <a:t>&lt;meta charset=“utf-8”&gt;</a:t>
-            </a:r>
-          </a:p>
-          <a:p>
-            <a:pPr lvl="1"/>
-            <a:r>
-              <a:rPr lang="en-IN" smtClean="0"/>
-              <a:t>&lt;/head&gt;</a:t>
-            </a:r>
-          </a:p>
-          <a:p>
-            <a:pPr lvl="1"/>
-            <a:r>
-              <a:rPr lang="en-IN" smtClean="0"/>
-              <a:t>&lt;body&gt;</a:t>
-            </a:r>
-          </a:p>
-          <a:p>
-            <a:pPr lvl="1"/>
-            <a:r>
-              <a:rPr lang="en-IN" smtClean="0"/>
-              <a:t>&lt;/body&gt;</a:t>
-            </a:r>
-          </a:p>
-          <a:p>
-            <a:pPr lvl="1"/>
-            <a:r>
-              <a:rPr lang="en-IN" smtClean="0"/>
-              <a:t>&lt;/html&gt;</a:t>
-            </a:r>
-          </a:p>
-          <a:p>
-            <a:r>
-              <a:rPr lang="en-IN" smtClean="0"/>
-              <a:t>Save the changes</a:t>
-            </a:r>
-            <a:endParaRPr lang="en-IN" dirty="0" smtClean="0"/>
           </a:p>
         </p:txBody>
       </p:sp>
@@ -11811,7 +11594,7 @@
               <a:defRPr/>
             </a:pPr>
             <a:r>
-              <a:rPr lang="en-AU" smtClean="0"/>
+              <a:rPr lang="en-AU"/>
               <a:t>Chapter 2  Building a Webpage Template with HTML5 </a:t>
             </a:r>
             <a:endParaRPr lang="en-US" dirty="0"/>
@@ -11828,13 +11611,6 @@
   <p:clrMapOvr>
     <a:masterClrMapping/>
   </p:clrMapOvr>
-  <p:timing>
-    <p:tnLst>
-      <p:par>
-        <p:cTn id="1" dur="indefinite" restart="never" nodeType="tmRoot"/>
-      </p:par>
-    </p:tnLst>
-  </p:timing>
 </p:sld>
 </file>
 
@@ -11871,10 +11647,9 @@
           <a:lstStyle/>
           <a:p>
             <a:r>
-              <a:rPr lang="en-IN" smtClean="0"/>
+              <a:rPr lang="en-IN" dirty="0"/>
               <a:t>Creating a Webpage Template Document (continued 6)</a:t>
             </a:r>
-            <a:endParaRPr lang="en-IN" dirty="0"/>
           </a:p>
         </p:txBody>
       </p:sp>
@@ -11934,7 +11709,7 @@
               <a:defRPr/>
             </a:pPr>
             <a:r>
-              <a:rPr lang="en-AU" smtClean="0"/>
+              <a:rPr lang="en-AU"/>
               <a:t>Chapter 2  Building a Webpage Template with HTML5 </a:t>
             </a:r>
             <a:endParaRPr lang="en-US" dirty="0"/>
@@ -11951,13 +11726,6 @@
   <p:clrMapOvr>
     <a:masterClrMapping/>
   </p:clrMapOvr>
-  <p:timing>
-    <p:tnLst>
-      <p:par>
-        <p:cTn id="1" dur="indefinite" restart="never" nodeType="tmRoot"/>
-      </p:par>
-    </p:tnLst>
-  </p:timing>
 </p:sld>
 </file>
 
@@ -11994,10 +11762,9 @@
           <a:lstStyle/>
           <a:p>
             <a:r>
-              <a:rPr lang="en-IN" smtClean="0"/>
+              <a:rPr lang="en-IN" dirty="0"/>
               <a:t>To Add HTML5 Semantic Elements to a Webpage Template</a:t>
             </a:r>
-            <a:endParaRPr lang="en-IN" dirty="0"/>
           </a:p>
         </p:txBody>
       </p:sp>
@@ -12017,25 +11784,25 @@
           <a:lstStyle/>
           <a:p>
             <a:r>
-              <a:rPr lang="en-IN" smtClean="0"/>
+              <a:rPr lang="en-IN"/>
               <a:t>The following steps insert HTML5 structural elements within the body tags:</a:t>
             </a:r>
           </a:p>
           <a:p>
             <a:r>
-              <a:rPr lang="en-IN" smtClean="0"/>
+              <a:rPr lang="en-IN"/>
               <a:t>Place an insertion point after the beginning &lt;body&gt; tag and press the enter key twice to insert new Lines 8 and 9</a:t>
             </a:r>
           </a:p>
           <a:p>
             <a:r>
-              <a:rPr lang="en-IN" smtClean="0"/>
+              <a:rPr lang="en-IN"/>
               <a:t>On Line 9, press the TAB key and then type &lt;header&gt; to add a starting header tag</a:t>
             </a:r>
           </a:p>
           <a:p>
             <a:r>
-              <a:rPr lang="en-IN" smtClean="0"/>
+              <a:rPr lang="en-IN"/>
               <a:t>Press the ENTER key to insert a new Line 10 and then type &lt;/header&gt; to add an ending header tag (Figure 2–11)</a:t>
             </a:r>
             <a:endParaRPr lang="en-IN" dirty="0"/>
@@ -12069,7 +11836,7 @@
               <a:defRPr/>
             </a:pPr>
             <a:r>
-              <a:rPr lang="en-AU" smtClean="0"/>
+              <a:rPr lang="en-AU"/>
               <a:t>Chapter 2  Building a Webpage Template with HTML5 </a:t>
             </a:r>
             <a:endParaRPr lang="en-US" dirty="0"/>
@@ -12086,13 +11853,6 @@
   <p:clrMapOvr>
     <a:masterClrMapping/>
   </p:clrMapOvr>
-  <p:timing>
-    <p:tnLst>
-      <p:par>
-        <p:cTn id="1" dur="indefinite" restart="never" nodeType="tmRoot"/>
-      </p:par>
-    </p:tnLst>
-  </p:timing>
 </p:sld>
 </file>
 
@@ -12129,10 +11889,9 @@
           <a:lstStyle/>
           <a:p>
             <a:r>
-              <a:rPr lang="en-IN" smtClean="0"/>
+              <a:rPr lang="en-IN" dirty="0"/>
               <a:t>To Add HTML5 Semantic Elements to a Webpage Template (continued 1)</a:t>
             </a:r>
-            <a:endParaRPr lang="en-IN" dirty="0"/>
           </a:p>
         </p:txBody>
       </p:sp>
@@ -12192,7 +11951,7 @@
               <a:defRPr/>
             </a:pPr>
             <a:r>
-              <a:rPr lang="en-AU" smtClean="0"/>
+              <a:rPr lang="en-AU"/>
               <a:t>Chapter 2  Building a Webpage Template with HTML5 </a:t>
             </a:r>
             <a:endParaRPr lang="en-US" dirty="0"/>
@@ -12209,13 +11968,6 @@
   <p:clrMapOvr>
     <a:masterClrMapping/>
   </p:clrMapOvr>
-  <p:timing>
-    <p:tnLst>
-      <p:par>
-        <p:cTn id="1" dur="indefinite" restart="never" nodeType="tmRoot"/>
-      </p:par>
-    </p:tnLst>
-  </p:timing>
 </p:sld>
 </file>
 
@@ -12252,10 +12004,9 @@
           <a:lstStyle/>
           <a:p>
             <a:r>
-              <a:rPr lang="en-IN" smtClean="0"/>
+              <a:rPr lang="en-IN" dirty="0"/>
               <a:t>To Add HTML5 Semantic Elements to a Webpage Template (continued 2)</a:t>
             </a:r>
-            <a:endParaRPr lang="en-IN" dirty="0"/>
           </a:p>
         </p:txBody>
       </p:sp>
@@ -12275,63 +12026,63 @@
           <a:lstStyle/>
           <a:p>
             <a:r>
-              <a:rPr lang="en-IN" smtClean="0"/>
+              <a:rPr lang="en-IN"/>
               <a:t>Add the following HTML5 tags to complete the wireframe, indenting each line and inserting a blank line after each ending tag:</a:t>
             </a:r>
           </a:p>
           <a:p>
             <a:pPr lvl="1"/>
             <a:r>
-              <a:rPr lang="en-IN" smtClean="0"/>
+              <a:rPr lang="en-IN"/>
               <a:t>&lt;nav&gt;</a:t>
             </a:r>
           </a:p>
           <a:p>
             <a:pPr lvl="1"/>
             <a:r>
-              <a:rPr lang="en-IN" smtClean="0"/>
+              <a:rPr lang="en-IN"/>
               <a:t>&lt;/nav&gt;</a:t>
             </a:r>
           </a:p>
           <a:p>
             <a:pPr lvl="1"/>
             <a:r>
-              <a:rPr lang="en-IN" smtClean="0"/>
+              <a:rPr lang="en-IN"/>
               <a:t>(blank line)</a:t>
             </a:r>
           </a:p>
           <a:p>
             <a:pPr lvl="1"/>
             <a:r>
-              <a:rPr lang="en-IN" smtClean="0"/>
+              <a:rPr lang="en-IN"/>
               <a:t>&lt;main&gt;</a:t>
             </a:r>
           </a:p>
           <a:p>
             <a:pPr lvl="1"/>
             <a:r>
-              <a:rPr lang="en-IN" smtClean="0"/>
+              <a:rPr lang="en-IN"/>
               <a:t>&lt;/main&gt;</a:t>
             </a:r>
           </a:p>
           <a:p>
             <a:pPr lvl="1"/>
             <a:r>
-              <a:rPr lang="en-IN" smtClean="0"/>
+              <a:rPr lang="en-IN"/>
               <a:t>(blank line)</a:t>
             </a:r>
           </a:p>
           <a:p>
             <a:pPr lvl="1"/>
             <a:r>
-              <a:rPr lang="en-IN" smtClean="0"/>
+              <a:rPr lang="en-IN"/>
               <a:t>&lt;footer&gt;</a:t>
             </a:r>
           </a:p>
           <a:p>
             <a:pPr lvl="1"/>
             <a:r>
-              <a:rPr lang="en-IN" smtClean="0"/>
+              <a:rPr lang="en-IN"/>
               <a:t>&lt;/footer&gt;</a:t>
             </a:r>
             <a:endParaRPr lang="en-IN" dirty="0"/>
@@ -12365,7 +12116,7 @@
               <a:defRPr/>
             </a:pPr>
             <a:r>
-              <a:rPr lang="en-AU" smtClean="0"/>
+              <a:rPr lang="en-AU"/>
               <a:t>Chapter 2  Building a Webpage Template with HTML5 </a:t>
             </a:r>
             <a:endParaRPr lang="en-US" dirty="0"/>
@@ -12382,13 +12133,6 @@
   <p:clrMapOvr>
     <a:masterClrMapping/>
   </p:clrMapOvr>
-  <p:timing>
-    <p:tnLst>
-      <p:par>
-        <p:cTn id="1" dur="indefinite" restart="never" nodeType="tmRoot"/>
-      </p:par>
-    </p:tnLst>
-  </p:timing>
 </p:sld>
 </file>
 
@@ -12425,10 +12169,9 @@
           <a:lstStyle/>
           <a:p>
             <a:r>
-              <a:rPr lang="en-IN" smtClean="0"/>
+              <a:rPr lang="en-IN" dirty="0"/>
               <a:t>To Add HTML5 Semantic Elements to a Webpage Template (continued 3)</a:t>
             </a:r>
-            <a:endParaRPr lang="en-IN" dirty="0"/>
           </a:p>
         </p:txBody>
       </p:sp>
@@ -12448,7 +12191,7 @@
           <a:lstStyle/>
           <a:p>
             <a:r>
-              <a:rPr lang="en-IN" smtClean="0"/>
+              <a:rPr lang="en-IN"/>
               <a:t>Save the changes</a:t>
             </a:r>
           </a:p>
@@ -12484,7 +12227,7 @@
               <a:defRPr/>
             </a:pPr>
             <a:r>
-              <a:rPr lang="en-AU" smtClean="0"/>
+              <a:rPr lang="en-AU"/>
               <a:t>Chapter 2  Building a Webpage Template with HTML5 </a:t>
             </a:r>
             <a:endParaRPr lang="en-US" dirty="0"/>
@@ -12534,13 +12277,6 @@
   <p:clrMapOvr>
     <a:masterClrMapping/>
   </p:clrMapOvr>
-  <p:timing>
-    <p:tnLst>
-      <p:par>
-        <p:cTn id="1" dur="indefinite" restart="never" nodeType="tmRoot"/>
-      </p:par>
-    </p:tnLst>
-  </p:timing>
 </p:sld>
 </file>
 
@@ -12577,10 +12313,9 @@
           <a:lstStyle/>
           <a:p>
             <a:r>
-              <a:rPr lang="en-IN" dirty="0" smtClean="0"/>
+              <a:rPr lang="en-IN" dirty="0"/>
               <a:t>To Add a Title to a Webpage Template</a:t>
             </a:r>
-            <a:endParaRPr lang="en-IN" dirty="0"/>
           </a:p>
         </p:txBody>
       </p:sp>
@@ -12600,19 +12335,19 @@
           <a:lstStyle/>
           <a:p>
             <a:r>
-              <a:rPr lang="en-IN" smtClean="0"/>
+              <a:rPr lang="en-IN"/>
               <a:t>The following steps add a webpage title to a template:</a:t>
             </a:r>
           </a:p>
           <a:p>
             <a:r>
-              <a:rPr lang="en-IN" smtClean="0"/>
+              <a:rPr lang="en-IN"/>
               <a:t>Place an insertion point after the beginning &lt;title&gt; tag and type Forward Fitness Club to add a webpage title</a:t>
             </a:r>
           </a:p>
           <a:p>
             <a:r>
-              <a:rPr lang="en-IN" smtClean="0"/>
+              <a:rPr lang="en-IN"/>
               <a:t>Save the changes and then view the page in a browser to display the webpage title</a:t>
             </a:r>
             <a:endParaRPr lang="en-IN" dirty="0"/>
@@ -12646,7 +12381,7 @@
               <a:defRPr/>
             </a:pPr>
             <a:r>
-              <a:rPr lang="en-AU" dirty="0" smtClean="0"/>
+              <a:rPr lang="en-AU" dirty="0"/>
               <a:t>Chapter 2  Building a Webpage Template with HTML5 </a:t>
             </a:r>
             <a:endParaRPr lang="en-US" dirty="0"/>
@@ -12663,13 +12398,6 @@
   <p:clrMapOvr>
     <a:masterClrMapping/>
   </p:clrMapOvr>
-  <p:timing>
-    <p:tnLst>
-      <p:par>
-        <p:cTn id="1" dur="indefinite" restart="never" nodeType="tmRoot"/>
-      </p:par>
-    </p:tnLst>
-  </p:timing>
 </p:sld>
 </file>
 
@@ -12706,10 +12434,9 @@
           <a:lstStyle/>
           <a:p>
             <a:r>
-              <a:rPr lang="en-IN" smtClean="0"/>
+              <a:rPr lang="en-IN" dirty="0"/>
               <a:t>To Add a Title to a Webpage Template (continued 1)</a:t>
             </a:r>
-            <a:endParaRPr lang="en-IN" dirty="0"/>
           </a:p>
         </p:txBody>
       </p:sp>
@@ -12769,7 +12496,7 @@
               <a:defRPr/>
             </a:pPr>
             <a:r>
-              <a:rPr lang="en-AU" dirty="0" smtClean="0"/>
+              <a:rPr lang="en-AU" dirty="0"/>
               <a:t>Chapter 2  Building a Webpage Template with HTML5 </a:t>
             </a:r>
             <a:endParaRPr lang="en-US" dirty="0"/>
@@ -12786,13 +12513,6 @@
   <p:clrMapOvr>
     <a:masterClrMapping/>
   </p:clrMapOvr>
-  <p:timing>
-    <p:tnLst>
-      <p:par>
-        <p:cTn id="1" dur="indefinite" restart="never" nodeType="tmRoot"/>
-      </p:par>
-    </p:tnLst>
-  </p:timing>
 </p:sld>
 </file>
 
@@ -12829,10 +12549,9 @@
           <a:lstStyle/>
           <a:p>
             <a:r>
-              <a:rPr lang="en-IN" smtClean="0"/>
+              <a:rPr lang="en-IN" dirty="0"/>
               <a:t>Comments</a:t>
             </a:r>
-            <a:endParaRPr lang="en-IN" dirty="0"/>
           </a:p>
         </p:txBody>
       </p:sp>
@@ -12852,29 +12571,28 @@
           <a:lstStyle/>
           <a:p>
             <a:r>
-              <a:rPr lang="en-IN" smtClean="0"/>
+              <a:rPr lang="en-IN" dirty="0"/>
               <a:t>Comments can provide additional information about the areas within the webpage</a:t>
             </a:r>
           </a:p>
           <a:p>
             <a:r>
-              <a:rPr lang="en-IN" smtClean="0"/>
+              <a:rPr lang="en-IN" dirty="0"/>
               <a:t>Add a comment before a tag using the following tag:</a:t>
             </a:r>
           </a:p>
           <a:p>
             <a:pPr lvl="1"/>
             <a:r>
-              <a:rPr lang="en-IN" smtClean="0"/>
+              <a:rPr lang="en-IN" dirty="0"/>
               <a:t>&lt;! - - Place your comment here - - &gt;</a:t>
             </a:r>
           </a:p>
           <a:p>
             <a:r>
-              <a:rPr lang="en-IN" smtClean="0"/>
+              <a:rPr lang="en-IN" dirty="0"/>
               <a:t>Word wrap causes text lines to break at the right edge of the window and appear on a new line</a:t>
             </a:r>
-            <a:endParaRPr lang="en-IN" dirty="0"/>
           </a:p>
         </p:txBody>
       </p:sp>
@@ -12905,7 +12623,7 @@
               <a:defRPr/>
             </a:pPr>
             <a:r>
-              <a:rPr lang="en-AU" dirty="0" smtClean="0"/>
+              <a:rPr lang="en-AU" dirty="0"/>
               <a:t>Chapter 2  Building a Webpage Template with HTML5 </a:t>
             </a:r>
             <a:endParaRPr lang="en-US" dirty="0"/>
@@ -12922,13 +12640,6 @@
   <p:clrMapOvr>
     <a:masterClrMapping/>
   </p:clrMapOvr>
-  <p:timing>
-    <p:tnLst>
-      <p:par>
-        <p:cTn id="1" dur="indefinite" restart="never" nodeType="tmRoot"/>
-      </p:par>
-    </p:tnLst>
-  </p:timing>
 </p:sld>
 </file>
 
@@ -12971,7 +12682,7 @@
           </a:bodyPr>
           <a:lstStyle/>
           <a:p>
-            <a:endParaRPr lang="en-US" dirty="0" smtClean="0"/>
+            <a:endParaRPr lang="en-US" dirty="0"/>
           </a:p>
           <a:p>
             <a:r>
@@ -12992,13 +12703,6 @@
   <p:clrMapOvr>
     <a:masterClrMapping/>
   </p:clrMapOvr>
-  <p:timing>
-    <p:tnLst>
-      <p:par>
-        <p:cTn id="1" dur="indefinite" restart="never" nodeType="tmRoot"/>
-      </p:par>
-    </p:tnLst>
-  </p:timing>
 </p:sld>
 </file>
 
@@ -13035,10 +12739,9 @@
           <a:lstStyle/>
           <a:p>
             <a:r>
-              <a:rPr lang="en-IN" smtClean="0"/>
+              <a:rPr lang="en-IN" dirty="0"/>
               <a:t>To Add Comments to a Webpage Template</a:t>
             </a:r>
-            <a:endParaRPr lang="en-IN" dirty="0"/>
           </a:p>
         </p:txBody>
       </p:sp>
@@ -13058,22 +12761,21 @@
           <a:lstStyle/>
           <a:p>
             <a:r>
-              <a:rPr lang="en-IN" smtClean="0"/>
+              <a:rPr lang="en-IN" dirty="0"/>
               <a:t>The following steps add comments to a webpage template:</a:t>
             </a:r>
           </a:p>
           <a:p>
             <a:r>
-              <a:rPr lang="en-IN" smtClean="0"/>
+              <a:rPr lang="en-IN" dirty="0"/>
               <a:t>Place the insertion point after the &lt;!DOCTYPE html&gt; tag and then press the ENTER key to insert a new Line 2</a:t>
             </a:r>
           </a:p>
           <a:p>
             <a:r>
-              <a:rPr lang="en-IN" smtClean="0"/>
+              <a:rPr lang="en-IN" dirty="0"/>
               <a:t>Type &lt;! - - This website template was created by: Student’s First Name Student’s Last Name - - &gt; on Line 2 to add a comment at the beginning of the document that identifies the author (Figure 2-14)</a:t>
             </a:r>
-            <a:endParaRPr lang="en-IN" dirty="0"/>
           </a:p>
         </p:txBody>
       </p:sp>
@@ -13104,7 +12806,7 @@
               <a:defRPr/>
             </a:pPr>
             <a:r>
-              <a:rPr lang="en-AU" dirty="0" smtClean="0"/>
+              <a:rPr lang="en-AU" dirty="0"/>
               <a:t>Chapter 2  Building a Webpage Template with HTML5 </a:t>
             </a:r>
             <a:endParaRPr lang="en-US" dirty="0"/>
@@ -13121,13 +12823,6 @@
   <p:clrMapOvr>
     <a:masterClrMapping/>
   </p:clrMapOvr>
-  <p:timing>
-    <p:tnLst>
-      <p:par>
-        <p:cTn id="1" dur="indefinite" restart="never" nodeType="tmRoot"/>
-      </p:par>
-    </p:tnLst>
-  </p:timing>
 </p:sld>
 </file>
 
@@ -13164,10 +12859,9 @@
           <a:lstStyle/>
           <a:p>
             <a:r>
-              <a:rPr lang="en-IN" smtClean="0"/>
+              <a:rPr lang="en-IN" dirty="0"/>
               <a:t>To Add Comments to a Webpage Template (continued 1)</a:t>
             </a:r>
-            <a:endParaRPr lang="en-IN" dirty="0"/>
           </a:p>
         </p:txBody>
       </p:sp>
@@ -13227,7 +12921,7 @@
               <a:defRPr/>
             </a:pPr>
             <a:r>
-              <a:rPr lang="en-AU" dirty="0" smtClean="0"/>
+              <a:rPr lang="en-AU" dirty="0"/>
               <a:t>Chapter 2  Building a Webpage Template with HTML5 </a:t>
             </a:r>
             <a:endParaRPr lang="en-US" dirty="0"/>
@@ -13244,13 +12938,6 @@
   <p:clrMapOvr>
     <a:masterClrMapping/>
   </p:clrMapOvr>
-  <p:timing>
-    <p:tnLst>
-      <p:par>
-        <p:cTn id="1" dur="indefinite" restart="never" nodeType="tmRoot"/>
-      </p:par>
-    </p:tnLst>
-  </p:timing>
 </p:sld>
 </file>
 
@@ -13287,10 +12974,9 @@
           <a:lstStyle/>
           <a:p>
             <a:r>
-              <a:rPr lang="en-IN" smtClean="0"/>
+              <a:rPr lang="en-IN" dirty="0"/>
               <a:t>To Add Comments to a Webpage Template (continued 2)</a:t>
             </a:r>
-            <a:endParaRPr lang="en-IN" dirty="0"/>
           </a:p>
         </p:txBody>
       </p:sp>
@@ -13310,16 +12996,15 @@
           <a:lstStyle/>
           <a:p>
             <a:r>
-              <a:rPr lang="en-IN" smtClean="0"/>
+              <a:rPr lang="en-IN" dirty="0"/>
               <a:t>Place the insertion point on the blank Line 9 and press the ENTER key to insert a new Line 10</a:t>
             </a:r>
           </a:p>
           <a:p>
             <a:r>
-              <a:rPr lang="en-IN" smtClean="0"/>
+              <a:rPr lang="en-IN" dirty="0"/>
               <a:t>On Line 10, press the TAB key and then type &lt;! - - Use the header area for the website name or logo - - &gt; to add a comment identifying the type of information to include in the header area (Figure 2-15)</a:t>
             </a:r>
-            <a:endParaRPr lang="en-IN" dirty="0"/>
           </a:p>
         </p:txBody>
       </p:sp>
@@ -13350,7 +13035,7 @@
               <a:defRPr/>
             </a:pPr>
             <a:r>
-              <a:rPr lang="en-AU" dirty="0" smtClean="0"/>
+              <a:rPr lang="en-AU" dirty="0"/>
               <a:t>Chapter 2  Building a Webpage Template with HTML5 </a:t>
             </a:r>
             <a:endParaRPr lang="en-US" dirty="0"/>
@@ -13367,13 +13052,6 @@
   <p:clrMapOvr>
     <a:masterClrMapping/>
   </p:clrMapOvr>
-  <p:timing>
-    <p:tnLst>
-      <p:par>
-        <p:cTn id="1" dur="indefinite" restart="never" nodeType="tmRoot"/>
-      </p:par>
-    </p:tnLst>
-  </p:timing>
 </p:sld>
 </file>
 
@@ -13410,10 +13088,9 @@
           <a:lstStyle/>
           <a:p>
             <a:r>
-              <a:rPr lang="en-IN" smtClean="0"/>
+              <a:rPr lang="en-IN" dirty="0"/>
               <a:t>To Add Comments to a Webpage Template (continued 3)</a:t>
             </a:r>
-            <a:endParaRPr lang="en-IN" dirty="0"/>
           </a:p>
         </p:txBody>
       </p:sp>
@@ -13473,7 +13150,7 @@
               <a:defRPr/>
             </a:pPr>
             <a:r>
-              <a:rPr lang="en-AU" dirty="0" smtClean="0"/>
+              <a:rPr lang="en-AU" dirty="0"/>
               <a:t>Chapter 2  Building a Webpage Template with HTML5 </a:t>
             </a:r>
             <a:endParaRPr lang="en-US" dirty="0"/>
@@ -13490,13 +13167,6 @@
   <p:clrMapOvr>
     <a:masterClrMapping/>
   </p:clrMapOvr>
-  <p:timing>
-    <p:tnLst>
-      <p:par>
-        <p:cTn id="1" dur="indefinite" restart="never" nodeType="tmRoot"/>
-      </p:par>
-    </p:tnLst>
-  </p:timing>
 </p:sld>
 </file>
 
@@ -13533,10 +13203,9 @@
           <a:lstStyle/>
           <a:p>
             <a:r>
-              <a:rPr lang="en-IN" smtClean="0"/>
+              <a:rPr lang="en-IN" dirty="0"/>
               <a:t>To Add Comments to a Webpage Template (continued 4)</a:t>
             </a:r>
-            <a:endParaRPr lang="en-IN" dirty="0"/>
           </a:p>
         </p:txBody>
       </p:sp>
@@ -13556,13 +13225,13 @@
           <a:lstStyle/>
           <a:p>
             <a:r>
-              <a:rPr lang="en-IN" smtClean="0"/>
+              <a:rPr lang="en-IN"/>
               <a:t>Place the insertion point on the blank Line 13 and press the ENTER key to insert a new Line 14</a:t>
             </a:r>
           </a:p>
           <a:p>
             <a:r>
-              <a:rPr lang="en-IN" smtClean="0"/>
+              <a:rPr lang="en-IN"/>
               <a:t>On Line 14, type &lt;! - - Use the nav area to add hyperlinks to other pages within the website - - &gt; to add a comment above the navigation area (Figure 2-16) </a:t>
             </a:r>
             <a:endParaRPr lang="en-IN" dirty="0"/>
@@ -13596,7 +13265,7 @@
               <a:defRPr/>
             </a:pPr>
             <a:r>
-              <a:rPr lang="en-AU" dirty="0" smtClean="0"/>
+              <a:rPr lang="en-AU" dirty="0"/>
               <a:t>Chapter 2  Building a Webpage Template with HTML5 </a:t>
             </a:r>
             <a:endParaRPr lang="en-US" dirty="0"/>
@@ -13613,13 +13282,6 @@
   <p:clrMapOvr>
     <a:masterClrMapping/>
   </p:clrMapOvr>
-  <p:timing>
-    <p:tnLst>
-      <p:par>
-        <p:cTn id="1" dur="indefinite" restart="never" nodeType="tmRoot"/>
-      </p:par>
-    </p:tnLst>
-  </p:timing>
 </p:sld>
 </file>
 
@@ -13656,10 +13318,9 @@
           <a:lstStyle/>
           <a:p>
             <a:r>
-              <a:rPr lang="en-IN" smtClean="0"/>
+              <a:rPr lang="en-IN" dirty="0"/>
               <a:t>To Add Comments to a Webpage Template (continued 5)</a:t>
             </a:r>
-            <a:endParaRPr lang="en-IN" dirty="0"/>
           </a:p>
         </p:txBody>
       </p:sp>
@@ -13719,7 +13380,7 @@
               <a:defRPr/>
             </a:pPr>
             <a:r>
-              <a:rPr lang="en-AU" dirty="0" smtClean="0"/>
+              <a:rPr lang="en-AU" dirty="0"/>
               <a:t>Chapter 2  Building a Webpage Template with HTML5 </a:t>
             </a:r>
             <a:endParaRPr lang="en-US" dirty="0"/>
@@ -13736,13 +13397,6 @@
   <p:clrMapOvr>
     <a:masterClrMapping/>
   </p:clrMapOvr>
-  <p:timing>
-    <p:tnLst>
-      <p:par>
-        <p:cTn id="1" dur="indefinite" restart="never" nodeType="tmRoot"/>
-      </p:par>
-    </p:tnLst>
-  </p:timing>
 </p:sld>
 </file>
 
@@ -13779,10 +13433,9 @@
           <a:lstStyle/>
           <a:p>
             <a:r>
-              <a:rPr lang="en-IN" smtClean="0"/>
+              <a:rPr lang="en-IN" dirty="0"/>
               <a:t>To Add Comments to a Webpage Template (continued 6)</a:t>
             </a:r>
-            <a:endParaRPr lang="en-IN" dirty="0"/>
           </a:p>
         </p:txBody>
       </p:sp>
@@ -13802,25 +13455,25 @@
           <a:lstStyle/>
           <a:p>
             <a:r>
-              <a:rPr lang="en-IN" smtClean="0"/>
+              <a:rPr lang="en-IN"/>
               <a:t>Place the insertion point on the blank Line 17 and press the ENTER key to insert a new Line 18</a:t>
             </a:r>
           </a:p>
           <a:p>
             <a:r>
-              <a:rPr lang="en-IN" smtClean="0"/>
+              <a:rPr lang="en-IN"/>
               <a:t>On Line 18, type &lt;! - - Use the main area to add the main content of the webpage - - &gt; to add a comment above the main area</a:t>
             </a:r>
           </a:p>
           <a:p>
             <a:r>
-              <a:rPr lang="en-IN" smtClean="0"/>
+              <a:rPr lang="en-IN"/>
               <a:t>Place the insertion point on the blank Line 21 and press the ENTER key to insert a new Line 22</a:t>
             </a:r>
           </a:p>
           <a:p>
             <a:r>
-              <a:rPr lang="en-IN" smtClean="0"/>
+              <a:rPr lang="en-IN"/>
               <a:t>On Line 22, type &lt;! - - Use the footer area to add webpage footer content - - &gt; to add a comment above the footer area (Figure 2-17)</a:t>
             </a:r>
             <a:endParaRPr lang="en-IN" dirty="0"/>
@@ -13854,7 +13507,7 @@
               <a:defRPr/>
             </a:pPr>
             <a:r>
-              <a:rPr lang="en-AU" dirty="0" smtClean="0"/>
+              <a:rPr lang="en-AU" dirty="0"/>
               <a:t>Chapter 2  Building a Webpage Template with HTML5 </a:t>
             </a:r>
             <a:endParaRPr lang="en-US" dirty="0"/>
@@ -13871,13 +13524,6 @@
   <p:clrMapOvr>
     <a:masterClrMapping/>
   </p:clrMapOvr>
-  <p:timing>
-    <p:tnLst>
-      <p:par>
-        <p:cTn id="1" dur="indefinite" restart="never" nodeType="tmRoot"/>
-      </p:par>
-    </p:tnLst>
-  </p:timing>
 </p:sld>
 </file>
 
@@ -13914,10 +13560,9 @@
           <a:lstStyle/>
           <a:p>
             <a:r>
-              <a:rPr lang="en-IN" dirty="0" smtClean="0"/>
+              <a:rPr lang="en-IN" dirty="0"/>
               <a:t>To Add Comments to a Webpage Template (continued 7)</a:t>
             </a:r>
-            <a:endParaRPr lang="en-IN" dirty="0"/>
           </a:p>
         </p:txBody>
       </p:sp>
@@ -13937,7 +13582,7 @@
           <a:lstStyle/>
           <a:p>
             <a:r>
-              <a:rPr lang="en-IN" smtClean="0"/>
+              <a:rPr lang="en-IN"/>
               <a:t>Save the changes</a:t>
             </a:r>
           </a:p>
@@ -13973,7 +13618,7 @@
               <a:defRPr/>
             </a:pPr>
             <a:r>
-              <a:rPr lang="en-AU" dirty="0" smtClean="0"/>
+              <a:rPr lang="en-AU" dirty="0"/>
               <a:t>Chapter 2  Building a Webpage Template with HTML5 </a:t>
             </a:r>
             <a:endParaRPr lang="en-US" dirty="0"/>
@@ -14014,13 +13659,6 @@
   <p:clrMapOvr>
     <a:masterClrMapping/>
   </p:clrMapOvr>
-  <p:timing>
-    <p:tnLst>
-      <p:par>
-        <p:cTn id="1" dur="indefinite" restart="never" nodeType="tmRoot"/>
-      </p:par>
-    </p:tnLst>
-  </p:timing>
 </p:sld>
 </file>
 
@@ -14057,10 +13695,9 @@
           <a:lstStyle/>
           <a:p>
             <a:r>
-              <a:rPr lang="en-IN" smtClean="0"/>
+              <a:rPr lang="en-IN" dirty="0"/>
               <a:t>Webpage Content</a:t>
             </a:r>
-            <a:endParaRPr lang="en-IN" dirty="0"/>
           </a:p>
         </p:txBody>
       </p:sp>
@@ -14080,20 +13717,20 @@
           <a:lstStyle/>
           <a:p>
             <a:r>
-              <a:rPr lang="en-IN" smtClean="0"/>
+              <a:rPr lang="en-IN"/>
               <a:t>Static content can be added to a webpage that will appear on every webpage, such as the business name or logo, the webpage links, and the footer information</a:t>
             </a:r>
           </a:p>
           <a:p>
             <a:r>
-              <a:rPr lang="en-IN" smtClean="0"/>
+              <a:rPr lang="en-IN"/>
               <a:t>Following is an example of content added between header tags:</a:t>
             </a:r>
           </a:p>
           <a:p>
             <a:pPr lvl="1"/>
             <a:r>
-              <a:rPr lang="en-IN" smtClean="0"/>
+              <a:rPr lang="en-IN"/>
               <a:t>&lt;header&gt;Forward Fitness Club&lt;/header&gt;</a:t>
             </a:r>
             <a:endParaRPr lang="en-IN" dirty="0"/>
@@ -14127,7 +13764,7 @@
               <a:defRPr/>
             </a:pPr>
             <a:r>
-              <a:rPr lang="en-AU" dirty="0" smtClean="0"/>
+              <a:rPr lang="en-AU" dirty="0"/>
               <a:t>Chapter 2  Building a Webpage Template with HTML5 </a:t>
             </a:r>
             <a:endParaRPr lang="en-US" dirty="0"/>
@@ -14144,13 +13781,6 @@
   <p:clrMapOvr>
     <a:masterClrMapping/>
   </p:clrMapOvr>
-  <p:timing>
-    <p:tnLst>
-      <p:par>
-        <p:cTn id="1" dur="indefinite" restart="never" nodeType="tmRoot"/>
-      </p:par>
-    </p:tnLst>
-  </p:timing>
 </p:sld>
 </file>
 
@@ -14187,10 +13817,9 @@
           <a:lstStyle/>
           <a:p>
             <a:r>
-              <a:rPr lang="en-IN" smtClean="0"/>
+              <a:rPr lang="en-IN" dirty="0"/>
               <a:t>Using Symbol Entities</a:t>
             </a:r>
-            <a:endParaRPr lang="en-IN" dirty="0"/>
           </a:p>
         </p:txBody>
       </p:sp>
@@ -14210,25 +13839,25 @@
           <a:lstStyle/>
           <a:p>
             <a:r>
-              <a:rPr lang="en-IN" smtClean="0"/>
+              <a:rPr lang="en-IN"/>
               <a:t>Symbols can be added to an HTML webpage by typing its HTML entity name or entity number</a:t>
             </a:r>
           </a:p>
           <a:p>
             <a:r>
-              <a:rPr lang="en-IN" smtClean="0"/>
+              <a:rPr lang="en-IN"/>
               <a:t>Inserting an HTML character entity in the code displays a reserved HTML character on the webpage</a:t>
             </a:r>
           </a:p>
           <a:p>
             <a:r>
-              <a:rPr lang="en-IN" smtClean="0"/>
+              <a:rPr lang="en-IN"/>
               <a:t>Entity name is an abbreviated name</a:t>
             </a:r>
           </a:p>
           <a:p>
             <a:r>
-              <a:rPr lang="en-IN" smtClean="0"/>
+              <a:rPr lang="en-IN"/>
               <a:t>Entity number is a combination of the pound sign (#) and a numeric code</a:t>
             </a:r>
             <a:endParaRPr lang="en-IN" dirty="0"/>
@@ -14262,7 +13891,7 @@
               <a:defRPr/>
             </a:pPr>
             <a:r>
-              <a:rPr lang="en-AU" dirty="0" smtClean="0"/>
+              <a:rPr lang="en-AU" dirty="0"/>
               <a:t>Chapter 2  Building a Webpage Template with HTML5 </a:t>
             </a:r>
             <a:endParaRPr lang="en-US" dirty="0"/>
@@ -14279,13 +13908,6 @@
   <p:clrMapOvr>
     <a:masterClrMapping/>
   </p:clrMapOvr>
-  <p:timing>
-    <p:tnLst>
-      <p:par>
-        <p:cTn id="1" dur="indefinite" restart="never" nodeType="tmRoot"/>
-      </p:par>
-    </p:tnLst>
-  </p:timing>
 </p:sld>
 </file>
 
@@ -14330,10 +13952,9 @@
           <a:lstStyle/>
           <a:p>
             <a:r>
-              <a:rPr lang="en-IN" dirty="0" smtClean="0"/>
+              <a:rPr lang="en-IN" dirty="0"/>
               <a:t>Objectives</a:t>
             </a:r>
-            <a:endParaRPr lang="en-IN" dirty="0"/>
           </a:p>
         </p:txBody>
       </p:sp>
@@ -14353,40 +13974,39 @@
           <a:lstStyle/>
           <a:p>
             <a:r>
-              <a:rPr lang="en-IN" dirty="0" smtClean="0"/>
+              <a:rPr lang="en-IN" dirty="0"/>
               <a:t>Explain how to manage website files</a:t>
             </a:r>
           </a:p>
           <a:p>
             <a:r>
-              <a:rPr lang="en-IN" dirty="0" smtClean="0"/>
+              <a:rPr lang="en-IN" dirty="0"/>
               <a:t>Describe and use HTML5 semantic elements</a:t>
             </a:r>
           </a:p>
           <a:p>
             <a:r>
-              <a:rPr lang="en-IN" dirty="0" smtClean="0"/>
+              <a:rPr lang="en-IN" dirty="0"/>
               <a:t>Determine the elements to use when setting the structure of a webpage</a:t>
             </a:r>
           </a:p>
           <a:p>
             <a:r>
-              <a:rPr lang="en-IN" dirty="0" smtClean="0"/>
+              <a:rPr lang="en-IN" dirty="0"/>
               <a:t>Design and build a semantic wireframe</a:t>
             </a:r>
           </a:p>
           <a:p>
             <a:r>
-              <a:rPr lang="en-IN" dirty="0" smtClean="0"/>
+              <a:rPr lang="en-IN" dirty="0"/>
               <a:t>Create a webpage template</a:t>
             </a:r>
           </a:p>
           <a:p>
             <a:r>
-              <a:rPr lang="en-IN" dirty="0" smtClean="0"/>
+              <a:rPr lang="en-IN" dirty="0"/>
               <a:t>Insert comments in an HTML document</a:t>
             </a:r>
-            <a:endParaRPr lang="en-IN" dirty="0"/>
           </a:p>
         </p:txBody>
       </p:sp>
@@ -14439,13 +14059,6 @@
   <p:clrMapOvr>
     <a:masterClrMapping/>
   </p:clrMapOvr>
-  <p:timing>
-    <p:tnLst>
-      <p:par>
-        <p:cTn id="1" dur="indefinite" restart="never" nodeType="tmRoot"/>
-      </p:par>
-    </p:tnLst>
-  </p:timing>
 </p:sld>
 </file>
 
@@ -14482,10 +14095,9 @@
           <a:lstStyle/>
           <a:p>
             <a:r>
-              <a:rPr lang="en-IN" smtClean="0"/>
+              <a:rPr lang="en-IN" dirty="0"/>
               <a:t>Using Symbol Entities (continued)</a:t>
             </a:r>
-            <a:endParaRPr lang="en-IN" dirty="0"/>
           </a:p>
         </p:txBody>
       </p:sp>
@@ -14545,7 +14157,7 @@
               <a:defRPr/>
             </a:pPr>
             <a:r>
-              <a:rPr lang="en-AU" dirty="0" smtClean="0"/>
+              <a:rPr lang="en-AU" dirty="0"/>
               <a:t>Chapter 2  Building a Webpage Template with HTML5 </a:t>
             </a:r>
             <a:endParaRPr lang="en-US" dirty="0"/>
@@ -14562,13 +14174,6 @@
   <p:clrMapOvr>
     <a:masterClrMapping/>
   </p:clrMapOvr>
-  <p:timing>
-    <p:tnLst>
-      <p:par>
-        <p:cTn id="1" dur="indefinite" restart="never" nodeType="tmRoot"/>
-      </p:par>
-    </p:tnLst>
-  </p:timing>
 </p:sld>
 </file>
 
@@ -14605,10 +14210,9 @@
           <a:lstStyle/>
           <a:p>
             <a:r>
-              <a:rPr lang="en-IN" smtClean="0"/>
+              <a:rPr lang="en-IN" dirty="0"/>
               <a:t>Validating HTML Documents</a:t>
             </a:r>
-            <a:endParaRPr lang="en-IN" dirty="0"/>
           </a:p>
         </p:txBody>
       </p:sp>
@@ -14628,25 +14232,25 @@
           <a:lstStyle/>
           <a:p>
             <a:r>
-              <a:rPr lang="en-IN" smtClean="0"/>
+              <a:rPr lang="en-IN"/>
               <a:t>After the creation of an HTML file, the document is validated to verify the validity of the HTML code</a:t>
             </a:r>
           </a:p>
           <a:p>
             <a:r>
-              <a:rPr lang="en-IN" smtClean="0"/>
+              <a:rPr lang="en-IN"/>
               <a:t>A validator checks for errors, indicates where they are located, and suggests corrections</a:t>
             </a:r>
           </a:p>
           <a:p>
             <a:r>
-              <a:rPr lang="en-IN" smtClean="0"/>
+              <a:rPr lang="en-IN"/>
               <a:t>If the validator detects an error in an HTML code, it displays a warning in the header bar</a:t>
             </a:r>
           </a:p>
           <a:p>
             <a:r>
-              <a:rPr lang="en-IN" smtClean="0"/>
+              <a:rPr lang="en-IN"/>
               <a:t>A Result line below the header bar shows the number of errors in the document</a:t>
             </a:r>
             <a:endParaRPr lang="en-IN" dirty="0"/>
@@ -14680,7 +14284,7 @@
               <a:defRPr/>
             </a:pPr>
             <a:r>
-              <a:rPr lang="en-AU" dirty="0" smtClean="0"/>
+              <a:rPr lang="en-AU" dirty="0"/>
               <a:t>Chapter 2  Building a Webpage Template with HTML5 </a:t>
             </a:r>
             <a:endParaRPr lang="en-US" dirty="0"/>
@@ -14697,13 +14301,6 @@
   <p:clrMapOvr>
     <a:masterClrMapping/>
   </p:clrMapOvr>
-  <p:timing>
-    <p:tnLst>
-      <p:par>
-        <p:cTn id="1" dur="indefinite" restart="never" nodeType="tmRoot"/>
-      </p:par>
-    </p:tnLst>
-  </p:timing>
 </p:sld>
 </file>
 
@@ -14740,10 +14337,9 @@
           <a:lstStyle/>
           <a:p>
             <a:r>
-              <a:rPr lang="en-IN" smtClean="0"/>
+              <a:rPr lang="en-IN" dirty="0"/>
               <a:t>Creating a Home Page Using a Webpage Template</a:t>
             </a:r>
-            <a:endParaRPr lang="en-IN" dirty="0"/>
           </a:p>
         </p:txBody>
       </p:sp>
@@ -14763,31 +14359,31 @@
           <a:lstStyle/>
           <a:p>
             <a:r>
-              <a:rPr lang="en-IN" smtClean="0"/>
+              <a:rPr lang="en-IN"/>
               <a:t>The following steps create the home page for the fitness website using the webpage template:</a:t>
             </a:r>
           </a:p>
           <a:p>
             <a:r>
-              <a:rPr lang="en-IN" smtClean="0"/>
+              <a:rPr lang="en-IN"/>
               <a:t>Tap or click File on the menu bar and then tap or click Save As to display the Save As dialog box</a:t>
             </a:r>
           </a:p>
           <a:p>
             <a:r>
-              <a:rPr lang="en-IN" smtClean="0"/>
+              <a:rPr lang="en-IN"/>
               <a:t>Tap or click the Up One Level button to display the contents of the fitness folder</a:t>
             </a:r>
           </a:p>
           <a:p>
             <a:r>
-              <a:rPr lang="en-IN" smtClean="0"/>
+              <a:rPr lang="en-IN"/>
               <a:t>In the File name text box, type index to name the file</a:t>
             </a:r>
           </a:p>
           <a:p>
             <a:r>
-              <a:rPr lang="en-IN" smtClean="0"/>
+              <a:rPr lang="en-IN"/>
               <a:t>Tap or click the Save button to save the index file in the fitness folder</a:t>
             </a:r>
           </a:p>
@@ -14823,7 +14419,7 @@
               <a:defRPr/>
             </a:pPr>
             <a:r>
-              <a:rPr lang="en-AU" dirty="0" smtClean="0"/>
+              <a:rPr lang="en-AU" dirty="0"/>
               <a:t>Chapter 2  Building a Webpage Template with HTML5 </a:t>
             </a:r>
             <a:endParaRPr lang="en-US" dirty="0"/>
@@ -14840,13 +14436,6 @@
   <p:clrMapOvr>
     <a:masterClrMapping/>
   </p:clrMapOvr>
-  <p:timing>
-    <p:tnLst>
-      <p:par>
-        <p:cTn id="1" dur="indefinite" restart="never" nodeType="tmRoot"/>
-      </p:par>
-    </p:tnLst>
-  </p:timing>
 </p:sld>
 </file>
 
@@ -14883,10 +14472,9 @@
           <a:lstStyle/>
           <a:p>
             <a:r>
-              <a:rPr lang="en-IN" smtClean="0"/>
+              <a:rPr lang="en-IN" dirty="0"/>
               <a:t>Creating a Home Page Using a Webpage Template (continued 1)</a:t>
             </a:r>
-            <a:endParaRPr lang="en-IN" dirty="0"/>
           </a:p>
         </p:txBody>
       </p:sp>
@@ -14906,13 +14494,13 @@
           <a:lstStyle/>
           <a:p>
             <a:r>
-              <a:rPr lang="en-IN" smtClean="0"/>
+              <a:rPr lang="en-IN"/>
               <a:t>Place an insertion point after the beginning &lt;main&gt; tag and press the ENTER key twice to insert two new lines, in this case, Lines 26 and 27</a:t>
             </a:r>
           </a:p>
           <a:p>
             <a:r>
-              <a:rPr lang="en-IN" smtClean="0"/>
+              <a:rPr lang="en-IN"/>
               <a:t>On Line 27, press the TAB key and then type &lt;p&gt;Welcome to Forward Fitness Club. Our mission is to help our clients meet their fitness and nutrition goals.&lt;/p&gt; to add paragraph tags and content to the page (Figure 2-29)</a:t>
             </a:r>
             <a:endParaRPr lang="en-IN" dirty="0"/>
@@ -14946,7 +14534,7 @@
               <a:defRPr/>
             </a:pPr>
             <a:r>
-              <a:rPr lang="en-AU" dirty="0" smtClean="0"/>
+              <a:rPr lang="en-AU" dirty="0"/>
               <a:t>Chapter 2  Building a Webpage Template with HTML5 </a:t>
             </a:r>
             <a:endParaRPr lang="en-US" dirty="0"/>
@@ -14963,13 +14551,6 @@
   <p:clrMapOvr>
     <a:masterClrMapping/>
   </p:clrMapOvr>
-  <p:timing>
-    <p:tnLst>
-      <p:par>
-        <p:cTn id="1" dur="indefinite" restart="never" nodeType="tmRoot"/>
-      </p:par>
-    </p:tnLst>
-  </p:timing>
 </p:sld>
 </file>
 
@@ -15006,10 +14587,9 @@
           <a:lstStyle/>
           <a:p>
             <a:r>
-              <a:rPr lang="en-IN" smtClean="0"/>
+              <a:rPr lang="en-IN" dirty="0"/>
               <a:t>Creating a Home Page Using a Webpage Template (continued 2)</a:t>
             </a:r>
-            <a:endParaRPr lang="en-IN" dirty="0"/>
           </a:p>
         </p:txBody>
       </p:sp>
@@ -15069,7 +14649,7 @@
               <a:defRPr/>
             </a:pPr>
             <a:r>
-              <a:rPr lang="en-AU" dirty="0" smtClean="0"/>
+              <a:rPr lang="en-AU" dirty="0"/>
               <a:t>Chapter 2  Building a Webpage Template with HTML5 </a:t>
             </a:r>
             <a:endParaRPr lang="en-US" dirty="0"/>
@@ -15086,13 +14666,6 @@
   <p:clrMapOvr>
     <a:masterClrMapping/>
   </p:clrMapOvr>
-  <p:timing>
-    <p:tnLst>
-      <p:par>
-        <p:cTn id="1" dur="indefinite" restart="never" nodeType="tmRoot"/>
-      </p:par>
-    </p:tnLst>
-  </p:timing>
 </p:sld>
 </file>
 
@@ -15129,10 +14702,9 @@
           <a:lstStyle/>
           <a:p>
             <a:r>
-              <a:rPr lang="en-IN" smtClean="0"/>
+              <a:rPr lang="en-IN" dirty="0"/>
               <a:t>Creating a Home Page Using a Webpage Template (continued 3)</a:t>
             </a:r>
-            <a:endParaRPr lang="en-IN" dirty="0"/>
           </a:p>
         </p:txBody>
       </p:sp>
@@ -15152,13 +14724,13 @@
           <a:lstStyle/>
           <a:p>
             <a:r>
-              <a:rPr lang="en-IN" smtClean="0"/>
+              <a:rPr lang="en-IN"/>
               <a:t>Press the ENTER key two times to insert two new lines and then type the contents within paragraph tags, as shown on Line 29, to add a second paragraph to the page</a:t>
             </a:r>
           </a:p>
           <a:p>
             <a:r>
-              <a:rPr lang="en-IN" smtClean="0"/>
+              <a:rPr lang="en-IN"/>
               <a:t>Press the ENTER key two times to insert two new lines and then type another paragraph, as shown on Line 31, to add a third paragraph to the page (Figure 2-30)</a:t>
             </a:r>
           </a:p>
@@ -15194,7 +14766,7 @@
               <a:defRPr/>
             </a:pPr>
             <a:r>
-              <a:rPr lang="en-AU" dirty="0" smtClean="0"/>
+              <a:rPr lang="en-AU" dirty="0"/>
               <a:t>Chapter 2  Building a Webpage Template with HTML5 </a:t>
             </a:r>
             <a:endParaRPr lang="en-US" dirty="0"/>
@@ -15211,13 +14783,6 @@
   <p:clrMapOvr>
     <a:masterClrMapping/>
   </p:clrMapOvr>
-  <p:timing>
-    <p:tnLst>
-      <p:par>
-        <p:cTn id="1" dur="indefinite" restart="never" nodeType="tmRoot"/>
-      </p:par>
-    </p:tnLst>
-  </p:timing>
 </p:sld>
 </file>
 
@@ -15254,10 +14819,9 @@
           <a:lstStyle/>
           <a:p>
             <a:r>
-              <a:rPr lang="en-IN" smtClean="0"/>
+              <a:rPr lang="en-IN" dirty="0"/>
               <a:t>Creating a Home Page Using a Webpage Template (continued 4)</a:t>
             </a:r>
-            <a:endParaRPr lang="en-IN" dirty="0"/>
           </a:p>
         </p:txBody>
       </p:sp>
@@ -15317,7 +14881,7 @@
               <a:defRPr/>
             </a:pPr>
             <a:r>
-              <a:rPr lang="en-AU" smtClean="0"/>
+              <a:rPr lang="en-AU"/>
               <a:t>Chapter 2  Building a Webpage Template with HTML5 </a:t>
             </a:r>
             <a:endParaRPr lang="en-US" dirty="0"/>
@@ -15334,13 +14898,6 @@
   <p:clrMapOvr>
     <a:masterClrMapping/>
   </p:clrMapOvr>
-  <p:timing>
-    <p:tnLst>
-      <p:par>
-        <p:cTn id="1" dur="indefinite" restart="never" nodeType="tmRoot"/>
-      </p:par>
-    </p:tnLst>
-  </p:timing>
 </p:sld>
 </file>
 
@@ -15377,10 +14934,9 @@
           <a:lstStyle/>
           <a:p>
             <a:r>
-              <a:rPr lang="en-IN" smtClean="0"/>
+              <a:rPr lang="en-IN" dirty="0"/>
               <a:t>Creating a Home Page Using a Webpage Template (continued 5)</a:t>
             </a:r>
-            <a:endParaRPr lang="en-IN" dirty="0"/>
           </a:p>
         </p:txBody>
       </p:sp>
@@ -15400,13 +14956,13 @@
           <a:lstStyle/>
           <a:p>
             <a:r>
-              <a:rPr lang="en-IN" smtClean="0"/>
+              <a:rPr lang="en-IN"/>
               <a:t>Press the ENTER key to insert a new blank line above the ending &lt;/main&gt; tag</a:t>
             </a:r>
           </a:p>
           <a:p>
             <a:r>
-              <a:rPr lang="en-IN" smtClean="0"/>
+              <a:rPr lang="en-IN"/>
               <a:t>Check the spelling of the document and the changes</a:t>
             </a:r>
             <a:endParaRPr lang="en-IN" dirty="0"/>
@@ -15440,7 +14996,7 @@
               <a:defRPr/>
             </a:pPr>
             <a:r>
-              <a:rPr lang="en-AU" dirty="0" smtClean="0"/>
+              <a:rPr lang="en-AU" dirty="0"/>
               <a:t>Chapter 2  Building a Webpage Template with HTML5 </a:t>
             </a:r>
             <a:endParaRPr lang="en-US" dirty="0"/>
@@ -15457,13 +15013,6 @@
   <p:clrMapOvr>
     <a:masterClrMapping/>
   </p:clrMapOvr>
-  <p:timing>
-    <p:tnLst>
-      <p:par>
-        <p:cTn id="1" dur="indefinite" restart="never" nodeType="tmRoot"/>
-      </p:par>
-    </p:tnLst>
-  </p:timing>
 </p:sld>
 </file>
 
@@ -15500,10 +15049,9 @@
           <a:lstStyle/>
           <a:p>
             <a:r>
-              <a:rPr lang="en-IN" dirty="0" smtClean="0"/>
+              <a:rPr lang="en-IN" dirty="0"/>
               <a:t>To Display a Home Page in the Default Browser</a:t>
             </a:r>
-            <a:endParaRPr lang="en-IN" dirty="0"/>
           </a:p>
         </p:txBody>
       </p:sp>
@@ -15523,19 +15071,19 @@
           <a:lstStyle/>
           <a:p>
             <a:r>
-              <a:rPr lang="en-IN" smtClean="0"/>
+              <a:rPr lang="en-IN"/>
               <a:t>By using a command in an HTML editor, one can open an HTML file from a file viewer such as File Explorer or Finder</a:t>
             </a:r>
           </a:p>
           <a:p>
             <a:r>
-              <a:rPr lang="en-IN" smtClean="0"/>
+              <a:rPr lang="en-IN"/>
               <a:t>When an HTML file is given a double-tap or double-click, it opens in the default browser on the computer</a:t>
             </a:r>
           </a:p>
           <a:p>
             <a:r>
-              <a:rPr lang="en-IN" smtClean="0"/>
+              <a:rPr lang="en-IN"/>
               <a:t>To open an HTML file in a different browser, press and hold or right-click the HTML file, tap or click Open with, and then tap or click an alternate browser</a:t>
             </a:r>
           </a:p>
@@ -15571,7 +15119,7 @@
               <a:defRPr/>
             </a:pPr>
             <a:r>
-              <a:rPr lang="en-AU" dirty="0" smtClean="0"/>
+              <a:rPr lang="en-AU" dirty="0"/>
               <a:t>Chapter 2  Building a Webpage Template with HTML5 </a:t>
             </a:r>
             <a:endParaRPr lang="en-US" dirty="0"/>
@@ -15588,13 +15136,6 @@
   <p:clrMapOvr>
     <a:masterClrMapping/>
   </p:clrMapOvr>
-  <p:timing>
-    <p:tnLst>
-      <p:par>
-        <p:cTn id="1" dur="indefinite" restart="never" nodeType="tmRoot"/>
-      </p:par>
-    </p:tnLst>
-  </p:timing>
 </p:sld>
 </file>
 
@@ -15647,22 +15188,13 @@
           <a:p>
             <a:pPr algn="ctr"/>
             <a:r>
-              <a:rPr lang="en-AU" dirty="0" smtClean="0">
+              <a:rPr lang="en-AU" dirty="0">
                 <a:solidFill>
                   <a:schemeClr val="bg1"/>
                 </a:solidFill>
                 <a:latin typeface="Arial Rounded MT Bold" panose="020F0704030504030204" pitchFamily="34" charset="0"/>
               </a:rPr>
               <a:t>kent.edu.au</a:t>
-            </a:r>
-            <a:r>
-              <a:rPr lang="en-AU" sz="1200" dirty="0">
-                <a:solidFill>
-                  <a:schemeClr val="bg1"/>
-                </a:solidFill>
-                <a:latin typeface="Arial Rounded MT Bold" panose="020F0704030504030204" pitchFamily="34" charset="0"/>
-              </a:rPr>
-              <a:t/>
             </a:r>
             <a:br>
               <a:rPr lang="en-AU" sz="1200" dirty="0">
@@ -15672,15 +15204,6 @@
                 <a:latin typeface="Arial Rounded MT Bold" panose="020F0704030504030204" pitchFamily="34" charset="0"/>
               </a:rPr>
             </a:br>
-            <a:r>
-              <a:rPr lang="en-AU" sz="1200" dirty="0">
-                <a:solidFill>
-                  <a:schemeClr val="bg1"/>
-                </a:solidFill>
-                <a:latin typeface="Arial Rounded MT Bold" panose="020F0704030504030204" pitchFamily="34" charset="0"/>
-              </a:rPr>
-              <a:t/>
-            </a:r>
             <a:br>
               <a:rPr lang="en-AU" sz="1200" dirty="0">
                 <a:solidFill>
@@ -15696,25 +15219,7 @@
                 </a:solidFill>
                 <a:latin typeface="Arial Rounded MT Bold" panose="020F0704030504030204" pitchFamily="34" charset="0"/>
               </a:rPr>
-              <a:t>Kent </a:t>
-            </a:r>
-            <a:r>
-              <a:rPr lang="en-AU" sz="1200" dirty="0">
-                <a:solidFill>
-                  <a:schemeClr val="bg1"/>
-                </a:solidFill>
-                <a:latin typeface="Arial Rounded MT Bold" panose="020F0704030504030204" pitchFamily="34" charset="0"/>
-              </a:rPr>
-              <a:t>Institute </a:t>
-            </a:r>
-            <a:r>
-              <a:rPr lang="en-AU" sz="1200" dirty="0">
-                <a:solidFill>
-                  <a:schemeClr val="bg1"/>
-                </a:solidFill>
-                <a:latin typeface="Arial Rounded MT Bold" panose="020F0704030504030204" pitchFamily="34" charset="0"/>
-              </a:rPr>
-              <a:t>Australia Pty. Ltd.</a:t>
+              <a:t>Kent Institute Australia Pty. Ltd.</a:t>
             </a:r>
             <a:br>
               <a:rPr lang="en-AU" sz="1200" dirty="0">
@@ -15731,16 +15236,7 @@
                 </a:solidFill>
                 <a:latin typeface="Arial Rounded MT Bold" panose="020F0704030504030204" pitchFamily="34" charset="0"/>
               </a:rPr>
-              <a:t>ABN </a:t>
-            </a:r>
-            <a:r>
-              <a:rPr lang="en-AU" sz="1200" dirty="0">
-                <a:solidFill>
-                  <a:schemeClr val="bg1"/>
-                </a:solidFill>
-                <a:latin typeface="Arial Rounded MT Bold" panose="020F0704030504030204" pitchFamily="34" charset="0"/>
-              </a:rPr>
-              <a:t>49 003 577 302 </a:t>
+              <a:t>ABN 49 003 577 302 </a:t>
             </a:r>
             <a:r>
               <a:rPr lang="en-AU" sz="1200" dirty="0">
@@ -15758,16 +15254,7 @@
                 </a:solidFill>
                 <a:latin typeface="Arial Rounded MT Bold" panose="020F0704030504030204" pitchFamily="34" charset="0"/>
               </a:rPr>
-              <a:t> </a:t>
-            </a:r>
-            <a:r>
-              <a:rPr lang="en-AU" sz="1200" dirty="0">
-                <a:solidFill>
-                  <a:schemeClr val="bg1"/>
-                </a:solidFill>
-                <a:latin typeface="Arial Rounded MT Bold" panose="020F0704030504030204" pitchFamily="34" charset="0"/>
-              </a:rPr>
-              <a:t>CRICOS Code: 00161E </a:t>
+              <a:t> CRICOS Code: 00161E </a:t>
             </a:r>
             <a:r>
               <a:rPr lang="en-AU" sz="1200" dirty="0">
@@ -15785,25 +15272,7 @@
                 </a:solidFill>
                 <a:latin typeface="Arial Rounded MT Bold" panose="020F0704030504030204" pitchFamily="34" charset="0"/>
               </a:rPr>
-              <a:t> RTO </a:t>
-            </a:r>
-            <a:r>
-              <a:rPr lang="en-AU" sz="1200" dirty="0">
-                <a:solidFill>
-                  <a:schemeClr val="bg1"/>
-                </a:solidFill>
-                <a:latin typeface="Arial Rounded MT Bold" panose="020F0704030504030204" pitchFamily="34" charset="0"/>
-              </a:rPr>
-              <a:t>Code: </a:t>
-            </a:r>
-            <a:r>
-              <a:rPr lang="en-AU" sz="1200" dirty="0">
-                <a:solidFill>
-                  <a:schemeClr val="bg1"/>
-                </a:solidFill>
-                <a:latin typeface="Arial Rounded MT Bold" panose="020F0704030504030204" pitchFamily="34" charset="0"/>
-              </a:rPr>
-              <a:t>90458 </a:t>
+              <a:t> RTO Code: 90458 </a:t>
             </a:r>
             <a:r>
               <a:rPr lang="en-AU" sz="1200" dirty="0">
@@ -15821,32 +15290,8 @@
                 </a:solidFill>
                 <a:latin typeface="Arial Rounded MT Bold" panose="020F0704030504030204" pitchFamily="34" charset="0"/>
               </a:rPr>
-              <a:t> </a:t>
-            </a:r>
-            <a:r>
-              <a:rPr lang="en-AU" sz="1200" dirty="0">
-                <a:solidFill>
-                  <a:schemeClr val="bg1"/>
-                </a:solidFill>
-                <a:latin typeface="Arial Rounded MT Bold" panose="020F0704030504030204" pitchFamily="34" charset="0"/>
-              </a:rPr>
-              <a:t>TEQSA Provider Number: </a:t>
-            </a:r>
-            <a:r>
-              <a:rPr lang="en-AU" sz="1200" dirty="0">
-                <a:solidFill>
-                  <a:schemeClr val="bg1"/>
-                </a:solidFill>
-                <a:latin typeface="Arial Rounded MT Bold" panose="020F0704030504030204" pitchFamily="34" charset="0"/>
-              </a:rPr>
-              <a:t>PRV12051</a:t>
-            </a:r>
-            <a:endParaRPr lang="en-AU" sz="1200" dirty="0">
-              <a:solidFill>
-                <a:schemeClr val="bg1"/>
-              </a:solidFill>
-              <a:latin typeface="Arial Rounded MT Bold" panose="020F0704030504030204" pitchFamily="34" charset="0"/>
-            </a:endParaRPr>
+              <a:t> TEQSA Provider Number: PRV12051</a:t>
+            </a:r>
           </a:p>
         </p:txBody>
       </p:sp>
@@ -16048,13 +15493,6 @@
   <p:clrMapOvr>
     <a:masterClrMapping/>
   </p:clrMapOvr>
-  <p:timing>
-    <p:tnLst>
-      <p:par>
-        <p:cTn id="1" dur="indefinite" restart="never" nodeType="tmRoot"/>
-      </p:par>
-    </p:tnLst>
-  </p:timing>
 </p:sld>
 </file>
 
@@ -16091,10 +15529,9 @@
           <a:lstStyle/>
           <a:p>
             <a:r>
-              <a:rPr lang="en-IN" smtClean="0"/>
+              <a:rPr lang="en-IN" dirty="0"/>
               <a:t>Objectives (continued)</a:t>
             </a:r>
-            <a:endParaRPr lang="en-IN" dirty="0"/>
           </a:p>
         </p:txBody>
       </p:sp>
@@ -16114,40 +15551,39 @@
           <a:lstStyle/>
           <a:p>
             <a:r>
-              <a:rPr lang="en-IN" smtClean="0"/>
+              <a:rPr lang="en-IN" dirty="0"/>
               <a:t>Add static content to a webpage template</a:t>
             </a:r>
           </a:p>
           <a:p>
             <a:r>
-              <a:rPr lang="en-IN" smtClean="0"/>
+              <a:rPr lang="en-IN" dirty="0"/>
               <a:t>Insert symbol codes and other character entities</a:t>
             </a:r>
           </a:p>
           <a:p>
             <a:r>
-              <a:rPr lang="en-IN" smtClean="0"/>
+              <a:rPr lang="en-IN" dirty="0"/>
               <a:t>Describe the benefits of validating web documents</a:t>
             </a:r>
           </a:p>
           <a:p>
             <a:r>
-              <a:rPr lang="en-IN" smtClean="0"/>
+              <a:rPr lang="en-IN" dirty="0"/>
               <a:t>Validate an HTML template</a:t>
             </a:r>
           </a:p>
           <a:p>
             <a:r>
-              <a:rPr lang="en-IN" smtClean="0"/>
+              <a:rPr lang="en-IN" dirty="0"/>
               <a:t>Create a home page from an HTML template</a:t>
             </a:r>
           </a:p>
           <a:p>
             <a:r>
-              <a:rPr lang="en-IN" smtClean="0"/>
+              <a:rPr lang="en-IN" dirty="0"/>
               <a:t>Add unique content to a webpage</a:t>
             </a:r>
-            <a:endParaRPr lang="en-IN" dirty="0"/>
           </a:p>
         </p:txBody>
       </p:sp>
@@ -16191,13 +15627,6 @@
   <p:clrMapOvr>
     <a:masterClrMapping/>
   </p:clrMapOvr>
-  <p:timing>
-    <p:tnLst>
-      <p:par>
-        <p:cTn id="1" dur="indefinite" restart="never" nodeType="tmRoot"/>
-      </p:par>
-    </p:tnLst>
-  </p:timing>
 </p:sld>
 </file>
 
@@ -16234,10 +15663,9 @@
           <a:lstStyle/>
           <a:p>
             <a:r>
-              <a:rPr lang="en-IN" dirty="0" smtClean="0"/>
+              <a:rPr lang="en-IN" dirty="0"/>
               <a:t>Designing a Website</a:t>
             </a:r>
-            <a:endParaRPr lang="en-IN" dirty="0"/>
           </a:p>
         </p:txBody>
       </p:sp>
@@ -16257,60 +15685,59 @@
           <a:lstStyle/>
           <a:p>
             <a:r>
-              <a:rPr lang="en-IN" dirty="0" smtClean="0"/>
+              <a:rPr lang="en-IN" dirty="0"/>
               <a:t>Designing a website includes the following:</a:t>
             </a:r>
           </a:p>
           <a:p>
             <a:pPr lvl="1"/>
             <a:r>
-              <a:rPr lang="en-IN" dirty="0" smtClean="0"/>
+              <a:rPr lang="en-IN" dirty="0"/>
               <a:t>Planning</a:t>
             </a:r>
           </a:p>
           <a:p>
             <a:pPr lvl="1"/>
             <a:r>
-              <a:rPr lang="en-IN" dirty="0" smtClean="0"/>
+              <a:rPr lang="en-IN" dirty="0"/>
               <a:t>Articulating the website’s purpose</a:t>
             </a:r>
           </a:p>
           <a:p>
             <a:pPr lvl="1"/>
             <a:r>
-              <a:rPr lang="en-IN" dirty="0" smtClean="0"/>
+              <a:rPr lang="en-IN" dirty="0"/>
               <a:t>Identifying the target audience</a:t>
             </a:r>
           </a:p>
           <a:p>
             <a:pPr lvl="1"/>
             <a:r>
-              <a:rPr lang="en-IN" dirty="0" smtClean="0"/>
+              <a:rPr lang="en-IN" dirty="0"/>
               <a:t>Creating a site map and wireframe</a:t>
             </a:r>
           </a:p>
           <a:p>
             <a:pPr lvl="1"/>
             <a:r>
-              <a:rPr lang="en-IN" dirty="0" smtClean="0"/>
+              <a:rPr lang="en-IN" dirty="0"/>
               <a:t>Selecting graphics and </a:t>
             </a:r>
             <a:r>
-              <a:rPr lang="en-IN" dirty="0" err="1" smtClean="0"/>
+              <a:rPr lang="en-IN" dirty="0" err="1"/>
               <a:t>colors</a:t>
             </a:r>
             <a:r>
-              <a:rPr lang="en-IN" dirty="0" smtClean="0"/>
+              <a:rPr lang="en-IN" dirty="0"/>
               <a:t> to use in the site</a:t>
             </a:r>
           </a:p>
           <a:p>
             <a:pPr lvl="1"/>
             <a:r>
-              <a:rPr lang="en-IN" dirty="0" smtClean="0"/>
+              <a:rPr lang="en-IN" dirty="0"/>
               <a:t>Determining whether to design for an optimal viewing experience across a range of devices</a:t>
             </a:r>
-            <a:endParaRPr lang="en-IN" dirty="0"/>
           </a:p>
         </p:txBody>
       </p:sp>
@@ -16341,7 +15768,7 @@
               <a:defRPr/>
             </a:pPr>
             <a:r>
-              <a:rPr lang="en-AU" dirty="0" smtClean="0"/>
+              <a:rPr lang="en-AU" dirty="0"/>
               <a:t>Chapter 2  Building a Webpage Template with HTML5 </a:t>
             </a:r>
             <a:endParaRPr lang="en-US" dirty="0"/>
@@ -16358,13 +15785,6 @@
   <p:clrMapOvr>
     <a:masterClrMapping/>
   </p:clrMapOvr>
-  <p:timing>
-    <p:tnLst>
-      <p:par>
-        <p:cTn id="1" dur="indefinite" restart="never" nodeType="tmRoot"/>
-      </p:par>
-    </p:tnLst>
-  </p:timing>
 </p:sld>
 </file>
 
@@ -16401,10 +15821,9 @@
           <a:lstStyle/>
           <a:p>
             <a:r>
-              <a:rPr lang="en-IN" dirty="0" smtClean="0"/>
+              <a:rPr lang="en-IN" dirty="0"/>
               <a:t>Designing a Website (continued)</a:t>
             </a:r>
-            <a:endParaRPr lang="en-IN" dirty="0"/>
           </a:p>
         </p:txBody>
       </p:sp>
@@ -16432,8 +15851,8 @@
         </p:blipFill>
         <p:spPr>
           <a:xfrm>
-            <a:off x="1310369" y="1825625"/>
-            <a:ext cx="6523262" cy="4351338"/>
+            <a:off x="838200" y="1510665"/>
+            <a:ext cx="7391400" cy="4666298"/>
           </a:xfrm>
         </p:spPr>
       </p:pic>
@@ -16464,7 +15883,7 @@
               <a:defRPr/>
             </a:pPr>
             <a:r>
-              <a:rPr lang="en-AU" smtClean="0"/>
+              <a:rPr lang="en-AU"/>
               <a:t>Chapter 2  Building a Webpage Template with HTML5 </a:t>
             </a:r>
             <a:endParaRPr lang="en-US" dirty="0"/>
@@ -16481,13 +15900,6 @@
   <p:clrMapOvr>
     <a:masterClrMapping/>
   </p:clrMapOvr>
-  <p:timing>
-    <p:tnLst>
-      <p:par>
-        <p:cTn id="1" dur="indefinite" restart="never" nodeType="tmRoot"/>
-      </p:par>
-    </p:tnLst>
-  </p:timing>
 </p:sld>
 </file>
 
@@ -16524,10 +15936,9 @@
           <a:lstStyle/>
           <a:p>
             <a:r>
-              <a:rPr lang="en-IN" smtClean="0"/>
+              <a:rPr lang="en-IN" dirty="0"/>
               <a:t>Site Map</a:t>
             </a:r>
-            <a:endParaRPr lang="en-IN" dirty="0"/>
           </a:p>
         </p:txBody>
       </p:sp>
@@ -16547,30 +15958,37 @@
           <a:lstStyle/>
           <a:p>
             <a:r>
-              <a:rPr lang="en-IN" smtClean="0"/>
+              <a:rPr lang="en-IN" dirty="0"/>
               <a:t>Site map indicates how the pages in a website relate to each other</a:t>
             </a:r>
           </a:p>
           <a:p>
             <a:r>
-              <a:rPr lang="en-IN" smtClean="0"/>
+              <a:rPr lang="en-IN" dirty="0"/>
               <a:t>For example, the webpages of the Forward Fitness Club website will include the following content:</a:t>
             </a:r>
           </a:p>
           <a:p>
             <a:pPr lvl="1"/>
             <a:r>
-              <a:rPr lang="en-IN" smtClean="0"/>
-              <a:t>Home page: Introduces the fitness center and its mission statement</a:t>
+              <a:rPr lang="en-IN" dirty="0"/>
+              <a:t>Home page: Introduces the fitness </a:t>
+            </a:r>
+            <a:r>
+              <a:rPr lang="en-IN" dirty="0" err="1"/>
+              <a:t>center</a:t>
+            </a:r>
+            <a:r>
+              <a:rPr lang="en-IN" dirty="0"/>
+              <a:t> and its mission statement</a:t>
             </a:r>
           </a:p>
           <a:p>
             <a:pPr lvl="1"/>
             <a:r>
-              <a:rPr lang="en-IN" smtClean="0"/>
+              <a:rPr lang="en-IN" dirty="0"/>
               <a:t>About Us page: Showcases the facility’s equipment and services</a:t>
             </a:r>
-            <a:endParaRPr lang="en-IN" dirty="0" smtClean="0"/>
           </a:p>
         </p:txBody>
       </p:sp>
@@ -16601,7 +16019,7 @@
               <a:defRPr/>
             </a:pPr>
             <a:r>
-              <a:rPr lang="en-AU" smtClean="0"/>
+              <a:rPr lang="en-AU"/>
               <a:t>Chapter 2  Building a Webpage Template with HTML5 </a:t>
             </a:r>
             <a:endParaRPr lang="en-US" dirty="0"/>
@@ -16618,13 +16036,6 @@
   <p:clrMapOvr>
     <a:masterClrMapping/>
   </p:clrMapOvr>
-  <p:timing>
-    <p:tnLst>
-      <p:par>
-        <p:cTn id="1" dur="indefinite" restart="never" nodeType="tmRoot"/>
-      </p:par>
-    </p:tnLst>
-  </p:timing>
 </p:sld>
 </file>
 
@@ -16661,10 +16072,9 @@
           <a:lstStyle/>
           <a:p>
             <a:r>
-              <a:rPr lang="en-IN" dirty="0" smtClean="0"/>
+              <a:rPr lang="en-IN" dirty="0"/>
               <a:t>Site Map (continued 1)</a:t>
             </a:r>
-            <a:endParaRPr lang="en-IN" dirty="0"/>
           </a:p>
         </p:txBody>
       </p:sp>
@@ -16685,22 +16095,30 @@
           <a:p>
             <a:pPr lvl="1"/>
             <a:r>
-              <a:rPr lang="en-IN" smtClean="0"/>
+              <a:rPr lang="en-IN" dirty="0"/>
               <a:t>Classes page: Includes a schedule of available group training and fitness classes</a:t>
             </a:r>
           </a:p>
           <a:p>
             <a:pPr lvl="1"/>
             <a:r>
-              <a:rPr lang="en-IN" smtClean="0"/>
+              <a:rPr lang="en-IN" dirty="0"/>
               <a:t>Nutrition page: Provides nutrition tips and simple meal plans</a:t>
             </a:r>
           </a:p>
           <a:p>
             <a:pPr lvl="1"/>
             <a:r>
-              <a:rPr lang="en-IN" smtClean="0"/>
-              <a:t>Contact Us page: Provides a phone number, email address, physical address, and form for potential clients to request additional information about the fitness center’s services</a:t>
+              <a:rPr lang="en-IN" dirty="0"/>
+              <a:t>Contact Us page: Provides a phone number, email address, physical address, and form for potential clients to request additional information about the fitness </a:t>
+            </a:r>
+            <a:r>
+              <a:rPr lang="en-IN" dirty="0" err="1"/>
+              <a:t>center’s</a:t>
+            </a:r>
+            <a:r>
+              <a:rPr lang="en-IN" dirty="0"/>
+              <a:t> services</a:t>
             </a:r>
           </a:p>
           <a:p>
@@ -16735,7 +16153,7 @@
               <a:defRPr/>
             </a:pPr>
             <a:r>
-              <a:rPr lang="en-AU" smtClean="0"/>
+              <a:rPr lang="en-AU"/>
               <a:t>Chapter 2  Building a Webpage Template with HTML5 </a:t>
             </a:r>
             <a:endParaRPr lang="en-US" dirty="0"/>
@@ -16752,13 +16170,6 @@
   <p:clrMapOvr>
     <a:masterClrMapping/>
   </p:clrMapOvr>
-  <p:timing>
-    <p:tnLst>
-      <p:par>
-        <p:cTn id="1" dur="indefinite" restart="never" nodeType="tmRoot"/>
-      </p:par>
-    </p:tnLst>
-  </p:timing>
 </p:sld>
 </file>
 

--- a/WPDD202/Chapter 02.pptx
+++ b/WPDD202/Chapter 02.pptx
@@ -3655,7 +3655,7 @@
           <a:p>
             <a:fld id="{A4860BC5-6149-45B8-B367-B9B0D66BE27E}" type="datetime1">
               <a:rPr lang="en-AU" smtClean="0"/>
-              <a:t>23/05/2024</a:t>
+              <a:t>28/05/2024</a:t>
             </a:fld>
             <a:endParaRPr lang="en-AU" dirty="0"/>
           </a:p>
@@ -3997,7 +3997,7 @@
           <a:p>
             <a:fld id="{78FE1BA7-4187-488E-9E42-DEBD9072495B}" type="datetime1">
               <a:rPr lang="en-AU" smtClean="0"/>
-              <a:t>23/05/2024</a:t>
+              <a:t>28/05/2024</a:t>
             </a:fld>
             <a:endParaRPr lang="en-AU" dirty="0"/>
           </a:p>
@@ -4319,7 +4319,7 @@
           <a:p>
             <a:fld id="{305E9B68-AD7A-438F-9D1D-3DB3D6ABCFB0}" type="datetime1">
               <a:rPr lang="en-AU" smtClean="0"/>
-              <a:t>23/05/2024</a:t>
+              <a:t>28/05/2024</a:t>
             </a:fld>
             <a:endParaRPr lang="en-AU" dirty="0"/>
           </a:p>
@@ -4554,7 +4554,7 @@
           <a:p>
             <a:fld id="{2A07E56F-0407-419F-9E5E-869F663477AC}" type="datetime1">
               <a:rPr lang="en-AU" smtClean="0"/>
-              <a:t>23/05/2024</a:t>
+              <a:t>28/05/2024</a:t>
             </a:fld>
             <a:endParaRPr lang="en-AU" dirty="0"/>
           </a:p>
@@ -4799,7 +4799,7 @@
           <a:p>
             <a:fld id="{34DC7A53-BC4F-40B7-8C9A-C53F13553151}" type="datetime1">
               <a:rPr lang="en-AU" smtClean="0"/>
-              <a:t>23/05/2024</a:t>
+              <a:t>28/05/2024</a:t>
             </a:fld>
             <a:endParaRPr lang="en-AU" dirty="0"/>
           </a:p>
@@ -5508,7 +5508,7 @@
           <a:p>
             <a:fld id="{0B7BFBD5-ADEF-409A-8496-1C199FD86A25}" type="datetime1">
               <a:rPr lang="en-AU" smtClean="0"/>
-              <a:t>23/05/2024</a:t>
+              <a:t>28/05/2024</a:t>
             </a:fld>
             <a:endParaRPr lang="en-AU" dirty="0"/>
           </a:p>
@@ -5743,7 +5743,7 @@
           <a:p>
             <a:fld id="{7FA1ACBD-4E48-4D63-B331-940BE5A8216D}" type="datetime1">
               <a:rPr lang="en-AU" smtClean="0"/>
-              <a:t>23/05/2024</a:t>
+              <a:t>28/05/2024</a:t>
             </a:fld>
             <a:endParaRPr lang="en-AU" dirty="0"/>
           </a:p>
@@ -6054,7 +6054,7 @@
           <a:p>
             <a:fld id="{4B10E7CA-4BA3-4495-99CB-21D30A274AF2}" type="datetime1">
               <a:rPr lang="en-AU" smtClean="0"/>
-              <a:t>23/05/2024</a:t>
+              <a:t>28/05/2024</a:t>
             </a:fld>
             <a:endParaRPr lang="en-AU" dirty="0"/>
           </a:p>
@@ -6287,7 +6287,7 @@
           <a:p>
             <a:fld id="{F37DC6C7-015B-415C-9580-A51F4B0DD460}" type="datetime1">
               <a:rPr lang="en-AU" smtClean="0"/>
-              <a:t>23/05/2024</a:t>
+              <a:t>28/05/2024</a:t>
             </a:fld>
             <a:endParaRPr lang="en-AU" dirty="0"/>
           </a:p>
@@ -6714,7 +6714,7 @@
           <a:p>
             <a:fld id="{E43AF249-7AAA-440E-9A94-2519FA17C0A0}" type="datetime1">
               <a:rPr lang="en-AU" smtClean="0"/>
-              <a:t>23/05/2024</a:t>
+              <a:t>28/05/2024</a:t>
             </a:fld>
             <a:endParaRPr lang="en-AU" dirty="0"/>
           </a:p>
@@ -6897,7 +6897,7 @@
           <a:p>
             <a:fld id="{F859AB67-BE92-4A5F-B3CB-248AC6737EBC}" type="datetime1">
               <a:rPr lang="en-AU" smtClean="0"/>
-              <a:t>23/05/2024</a:t>
+              <a:t>28/05/2024</a:t>
             </a:fld>
             <a:endParaRPr lang="en-AU" dirty="0"/>
           </a:p>
@@ -8038,7 +8038,7 @@
           <a:p>
             <a:fld id="{59306243-C70C-45D1-8356-394DC7D7A48D}" type="datetime1">
               <a:rPr lang="en-AU" smtClean="0"/>
-              <a:t>23/05/2024</a:t>
+              <a:t>28/05/2024</a:t>
             </a:fld>
             <a:endParaRPr lang="en-AU" dirty="0"/>
           </a:p>
@@ -9791,8 +9791,8 @@
         </p:blipFill>
         <p:spPr>
           <a:xfrm>
-            <a:off x="2551445" y="1825625"/>
-            <a:ext cx="4041110" cy="4351338"/>
+            <a:off x="1295400" y="1825625"/>
+            <a:ext cx="6172200" cy="4351338"/>
           </a:xfrm>
         </p:spPr>
       </p:pic>
@@ -10390,8 +10390,8 @@
         </p:blipFill>
         <p:spPr>
           <a:xfrm>
-            <a:off x="961521" y="3001029"/>
-            <a:ext cx="7220958" cy="2000529"/>
+            <a:off x="961521" y="1981201"/>
+            <a:ext cx="7220958" cy="4038600"/>
           </a:xfrm>
         </p:spPr>
       </p:pic>
@@ -11506,64 +11506,67 @@
           <a:lstStyle/>
           <a:p>
             <a:r>
-              <a:rPr lang="en-IN"/>
+              <a:rPr lang="en-IN" dirty="0"/>
               <a:t>Add the following HTML elements to complete the template using the SPACEBAR or TAB key to indent Lines 4 and 5</a:t>
             </a:r>
           </a:p>
           <a:p>
             <a:r>
-              <a:rPr lang="en-IN"/>
+              <a:rPr lang="en-IN" dirty="0"/>
               <a:t>Use the SHIFT+TAB keys to stop indenting</a:t>
             </a:r>
           </a:p>
           <a:p>
             <a:pPr lvl="1"/>
             <a:r>
-              <a:rPr lang="en-IN"/>
+              <a:rPr lang="en-IN" dirty="0"/>
               <a:t>&lt;title&gt;&lt;/title&gt;</a:t>
             </a:r>
           </a:p>
           <a:p>
             <a:pPr lvl="1"/>
             <a:r>
-              <a:rPr lang="en-IN"/>
+              <a:rPr lang="en-IN" dirty="0"/>
               <a:t>&lt;meta charset=“utf-8”&gt;</a:t>
             </a:r>
           </a:p>
           <a:p>
             <a:pPr lvl="1"/>
             <a:r>
-              <a:rPr lang="en-IN"/>
+              <a:rPr lang="en-IN" dirty="0"/>
               <a:t>&lt;/head&gt;</a:t>
             </a:r>
           </a:p>
           <a:p>
             <a:pPr lvl="1"/>
             <a:r>
-              <a:rPr lang="en-IN"/>
+              <a:rPr lang="en-IN" dirty="0"/>
               <a:t>&lt;body&gt;</a:t>
             </a:r>
           </a:p>
           <a:p>
             <a:pPr lvl="1"/>
-            <a:r>
-              <a:rPr lang="en-IN"/>
+            <a:endParaRPr lang="en-IN" dirty="0"/>
+          </a:p>
+          <a:p>
+            <a:pPr lvl="1"/>
+            <a:r>
+              <a:rPr lang="en-IN" dirty="0"/>
               <a:t>&lt;/body&gt;</a:t>
             </a:r>
           </a:p>
           <a:p>
             <a:pPr lvl="1"/>
             <a:r>
-              <a:rPr lang="en-IN"/>
+              <a:rPr lang="en-IN" dirty="0"/>
               <a:t>&lt;/html&gt;</a:t>
             </a:r>
           </a:p>
           <a:p>
             <a:r>
-              <a:rPr lang="en-IN"/>
+              <a:rPr lang="en-IN" dirty="0"/>
               <a:t>Save the changes</a:t>
             </a:r>
-            <a:endParaRPr lang="en-IN" dirty="0"/>
           </a:p>
         </p:txBody>
       </p:sp>
@@ -11784,28 +11787,27 @@
           <a:lstStyle/>
           <a:p>
             <a:r>
-              <a:rPr lang="en-IN"/>
+              <a:rPr lang="en-IN" dirty="0"/>
               <a:t>The following steps insert HTML5 structural elements within the body tags:</a:t>
             </a:r>
           </a:p>
           <a:p>
             <a:r>
-              <a:rPr lang="en-IN"/>
+              <a:rPr lang="en-IN" dirty="0"/>
               <a:t>Place an insertion point after the beginning &lt;body&gt; tag and press the enter key twice to insert new Lines 8 and 9</a:t>
             </a:r>
           </a:p>
           <a:p>
             <a:r>
-              <a:rPr lang="en-IN"/>
+              <a:rPr lang="en-IN" dirty="0"/>
               <a:t>On Line 9, press the TAB key and then type &lt;header&gt; to add a starting header tag</a:t>
             </a:r>
           </a:p>
           <a:p>
             <a:r>
-              <a:rPr lang="en-IN"/>
+              <a:rPr lang="en-IN" dirty="0"/>
               <a:t>Press the ENTER key to insert a new Line 10 and then type &lt;/header&gt; to add an ending header tag (Figure 2–11)</a:t>
             </a:r>
-            <a:endParaRPr lang="en-IN" dirty="0"/>
           </a:p>
         </p:txBody>
       </p:sp>
